--- a/web_design/sample.pptx
+++ b/web_design/sample.pptx
@@ -2,18 +2,20 @@
 <file path=ppt/presentation.xml><?xml version="1.0" encoding="utf-8"?>
 <p:presentation xmlns:a="http://schemas.openxmlformats.org/drawingml/2006/main" xmlns:r="http://schemas.openxmlformats.org/officeDocument/2006/relationships" xmlns:p="http://schemas.openxmlformats.org/presentationml/2006/main" saveSubsetFonts="1">
   <p:sldMasterIdLst>
-    <p:sldMasterId id="2147483648" r:id="rId1"/>
+    <p:sldMasterId id="2147483660" r:id="rId1"/>
   </p:sldMasterIdLst>
   <p:sldIdLst>
     <p:sldId id="256" r:id="rId2"/>
+    <p:sldId id="257" r:id="rId3"/>
+    <p:sldId id="258" r:id="rId4"/>
   </p:sldIdLst>
-  <p:sldSz cx="12192000" cy="6858000"/>
+  <p:sldSz cx="6858000" cy="9906000" type="A4"/>
   <p:notesSz cx="6858000" cy="9144000"/>
   <p:defaultTextStyle>
     <a:defPPr>
-      <a:defRPr lang="ko-KR"/>
+      <a:defRPr lang="en-US"/>
     </a:defPPr>
-    <a:lvl1pPr marL="0" algn="l" defTabSz="914400" rtl="0" eaLnBrk="1" latinLnBrk="1" hangingPunct="1">
+    <a:lvl1pPr marL="0" algn="l" defTabSz="457200" rtl="0" eaLnBrk="1" latinLnBrk="0" hangingPunct="1">
       <a:defRPr sz="1800" kern="1200">
         <a:solidFill>
           <a:schemeClr val="tx1"/>
@@ -23,7 +25,7 @@
         <a:cs typeface="+mn-cs"/>
       </a:defRPr>
     </a:lvl1pPr>
-    <a:lvl2pPr marL="457200" algn="l" defTabSz="914400" rtl="0" eaLnBrk="1" latinLnBrk="1" hangingPunct="1">
+    <a:lvl2pPr marL="457200" algn="l" defTabSz="457200" rtl="0" eaLnBrk="1" latinLnBrk="0" hangingPunct="1">
       <a:defRPr sz="1800" kern="1200">
         <a:solidFill>
           <a:schemeClr val="tx1"/>
@@ -33,7 +35,7 @@
         <a:cs typeface="+mn-cs"/>
       </a:defRPr>
     </a:lvl2pPr>
-    <a:lvl3pPr marL="914400" algn="l" defTabSz="914400" rtl="0" eaLnBrk="1" latinLnBrk="1" hangingPunct="1">
+    <a:lvl3pPr marL="914400" algn="l" defTabSz="457200" rtl="0" eaLnBrk="1" latinLnBrk="0" hangingPunct="1">
       <a:defRPr sz="1800" kern="1200">
         <a:solidFill>
           <a:schemeClr val="tx1"/>
@@ -43,7 +45,7 @@
         <a:cs typeface="+mn-cs"/>
       </a:defRPr>
     </a:lvl3pPr>
-    <a:lvl4pPr marL="1371600" algn="l" defTabSz="914400" rtl="0" eaLnBrk="1" latinLnBrk="1" hangingPunct="1">
+    <a:lvl4pPr marL="1371600" algn="l" defTabSz="457200" rtl="0" eaLnBrk="1" latinLnBrk="0" hangingPunct="1">
       <a:defRPr sz="1800" kern="1200">
         <a:solidFill>
           <a:schemeClr val="tx1"/>
@@ -53,7 +55,7 @@
         <a:cs typeface="+mn-cs"/>
       </a:defRPr>
     </a:lvl4pPr>
-    <a:lvl5pPr marL="1828800" algn="l" defTabSz="914400" rtl="0" eaLnBrk="1" latinLnBrk="1" hangingPunct="1">
+    <a:lvl5pPr marL="1828800" algn="l" defTabSz="457200" rtl="0" eaLnBrk="1" latinLnBrk="0" hangingPunct="1">
       <a:defRPr sz="1800" kern="1200">
         <a:solidFill>
           <a:schemeClr val="tx1"/>
@@ -63,7 +65,7 @@
         <a:cs typeface="+mn-cs"/>
       </a:defRPr>
     </a:lvl5pPr>
-    <a:lvl6pPr marL="2286000" algn="l" defTabSz="914400" rtl="0" eaLnBrk="1" latinLnBrk="1" hangingPunct="1">
+    <a:lvl6pPr marL="2286000" algn="l" defTabSz="457200" rtl="0" eaLnBrk="1" latinLnBrk="0" hangingPunct="1">
       <a:defRPr sz="1800" kern="1200">
         <a:solidFill>
           <a:schemeClr val="tx1"/>
@@ -73,7 +75,7 @@
         <a:cs typeface="+mn-cs"/>
       </a:defRPr>
     </a:lvl6pPr>
-    <a:lvl7pPr marL="2743200" algn="l" defTabSz="914400" rtl="0" eaLnBrk="1" latinLnBrk="1" hangingPunct="1">
+    <a:lvl7pPr marL="2743200" algn="l" defTabSz="457200" rtl="0" eaLnBrk="1" latinLnBrk="0" hangingPunct="1">
       <a:defRPr sz="1800" kern="1200">
         <a:solidFill>
           <a:schemeClr val="tx1"/>
@@ -83,7 +85,7 @@
         <a:cs typeface="+mn-cs"/>
       </a:defRPr>
     </a:lvl7pPr>
-    <a:lvl8pPr marL="3200400" algn="l" defTabSz="914400" rtl="0" eaLnBrk="1" latinLnBrk="1" hangingPunct="1">
+    <a:lvl8pPr marL="3200400" algn="l" defTabSz="457200" rtl="0" eaLnBrk="1" latinLnBrk="0" hangingPunct="1">
       <a:defRPr sz="1800" kern="1200">
         <a:solidFill>
           <a:schemeClr val="tx1"/>
@@ -93,7 +95,7 @@
         <a:cs typeface="+mn-cs"/>
       </a:defRPr>
     </a:lvl8pPr>
-    <a:lvl9pPr marL="3657600" algn="l" defTabSz="914400" rtl="0" eaLnBrk="1" latinLnBrk="1" hangingPunct="1">
+    <a:lvl9pPr marL="3657600" algn="l" defTabSz="457200" rtl="0" eaLnBrk="1" latinLnBrk="0" hangingPunct="1">
       <a:defRPr sz="1800" kern="1200">
         <a:solidFill>
           <a:schemeClr val="tx1"/>
@@ -104,6 +106,11 @@
       </a:defRPr>
     </a:lvl9pPr>
   </p:defaultTextStyle>
+  <p:extLst>
+    <p:ext uri="{EFAFB233-063F-42B5-8137-9DF3F51BA10A}">
+      <p15:sldGuideLst xmlns:p15="http://schemas.microsoft.com/office/powerpoint/2012/main"/>
+    </p:ext>
+  </p:extLst>
 </p:presentation>
 </file>
 
@@ -138,13 +145,7 @@
       </p:grpSpPr>
       <p:sp>
         <p:nvSpPr>
-          <p:cNvPr id="2" name="제목 1">
-            <a:extLst>
-              <a:ext uri="{FF2B5EF4-FFF2-40B4-BE49-F238E27FC236}">
-                <a16:creationId xmlns:a16="http://schemas.microsoft.com/office/drawing/2014/main" id="{60364DDF-EB60-4A3D-885D-E1115D9D6BE8}"/>
-              </a:ext>
-            </a:extLst>
-          </p:cNvPr>
+          <p:cNvPr id="2" name="Title 1"/>
           <p:cNvSpPr>
             <a:spLocks noGrp="1"/>
           </p:cNvSpPr>
@@ -154,15 +155,15 @@
         </p:nvSpPr>
         <p:spPr>
           <a:xfrm>
-            <a:off x="1524000" y="1122363"/>
-            <a:ext cx="9144000" cy="2387600"/>
+            <a:off x="514350" y="1621191"/>
+            <a:ext cx="5829300" cy="3448756"/>
           </a:xfrm>
         </p:spPr>
         <p:txBody>
           <a:bodyPr anchor="b"/>
           <a:lstStyle>
             <a:lvl1pPr algn="ctr">
-              <a:defRPr sz="6000"/>
+              <a:defRPr sz="4500"/>
             </a:lvl1pPr>
           </a:lstStyle>
           <a:p>
@@ -170,18 +171,13 @@
               <a:rPr lang="ko-KR" altLang="en-US"/>
               <a:t>마스터 제목 스타일 편집</a:t>
             </a:r>
-          </a:p>
-        </p:txBody>
-      </p:sp>
-      <p:sp>
-        <p:nvSpPr>
-          <p:cNvPr id="3" name="부제목 2">
-            <a:extLst>
-              <a:ext uri="{FF2B5EF4-FFF2-40B4-BE49-F238E27FC236}">
-                <a16:creationId xmlns:a16="http://schemas.microsoft.com/office/drawing/2014/main" id="{322B0632-FF81-468C-897B-D8343B56BB54}"/>
-              </a:ext>
-            </a:extLst>
-          </p:cNvPr>
+            <a:endParaRPr lang="en-US" dirty="0"/>
+          </a:p>
+        </p:txBody>
+      </p:sp>
+      <p:sp>
+        <p:nvSpPr>
+          <p:cNvPr id="3" name="Subtitle 2"/>
           <p:cNvSpPr>
             <a:spLocks noGrp="1"/>
           </p:cNvSpPr>
@@ -191,8 +187,8 @@
         </p:nvSpPr>
         <p:spPr>
           <a:xfrm>
-            <a:off x="1524000" y="3602038"/>
-            <a:ext cx="9144000" cy="1655762"/>
+            <a:off x="857250" y="5202944"/>
+            <a:ext cx="5143500" cy="2391656"/>
           </a:xfrm>
         </p:spPr>
         <p:txBody>
@@ -200,39 +196,39 @@
           <a:lstStyle>
             <a:lvl1pPr marL="0" indent="0" algn="ctr">
               <a:buNone/>
-              <a:defRPr sz="2400"/>
+              <a:defRPr sz="1800"/>
             </a:lvl1pPr>
-            <a:lvl2pPr marL="457200" indent="0" algn="ctr">
-              <a:buNone/>
-              <a:defRPr sz="2000"/>
+            <a:lvl2pPr marL="342900" indent="0" algn="ctr">
+              <a:buNone/>
+              <a:defRPr sz="1500"/>
             </a:lvl2pPr>
-            <a:lvl3pPr marL="914400" indent="0" algn="ctr">
-              <a:buNone/>
-              <a:defRPr sz="1800"/>
+            <a:lvl3pPr marL="685800" indent="0" algn="ctr">
+              <a:buNone/>
+              <a:defRPr sz="1350"/>
             </a:lvl3pPr>
-            <a:lvl4pPr marL="1371600" indent="0" algn="ctr">
-              <a:buNone/>
-              <a:defRPr sz="1600"/>
+            <a:lvl4pPr marL="1028700" indent="0" algn="ctr">
+              <a:buNone/>
+              <a:defRPr sz="1200"/>
             </a:lvl4pPr>
-            <a:lvl5pPr marL="1828800" indent="0" algn="ctr">
-              <a:buNone/>
-              <a:defRPr sz="1600"/>
+            <a:lvl5pPr marL="1371600" indent="0" algn="ctr">
+              <a:buNone/>
+              <a:defRPr sz="1200"/>
             </a:lvl5pPr>
-            <a:lvl6pPr marL="2286000" indent="0" algn="ctr">
-              <a:buNone/>
-              <a:defRPr sz="1600"/>
+            <a:lvl6pPr marL="1714500" indent="0" algn="ctr">
+              <a:buNone/>
+              <a:defRPr sz="1200"/>
             </a:lvl6pPr>
-            <a:lvl7pPr marL="2743200" indent="0" algn="ctr">
-              <a:buNone/>
-              <a:defRPr sz="1600"/>
+            <a:lvl7pPr marL="2057400" indent="0" algn="ctr">
+              <a:buNone/>
+              <a:defRPr sz="1200"/>
             </a:lvl7pPr>
-            <a:lvl8pPr marL="3200400" indent="0" algn="ctr">
-              <a:buNone/>
-              <a:defRPr sz="1600"/>
+            <a:lvl8pPr marL="2400300" indent="0" algn="ctr">
+              <a:buNone/>
+              <a:defRPr sz="1200"/>
             </a:lvl8pPr>
-            <a:lvl9pPr marL="3657600" indent="0" algn="ctr">
-              <a:buNone/>
-              <a:defRPr sz="1600"/>
+            <a:lvl9pPr marL="2743200" indent="0" algn="ctr">
+              <a:buNone/>
+              <a:defRPr sz="1200"/>
             </a:lvl9pPr>
           </a:lstStyle>
           <a:p>
@@ -240,18 +236,13 @@
               <a:rPr lang="ko-KR" altLang="en-US"/>
               <a:t>클릭하여 마스터 부제목 스타일 편집</a:t>
             </a:r>
-          </a:p>
-        </p:txBody>
-      </p:sp>
-      <p:sp>
-        <p:nvSpPr>
-          <p:cNvPr id="4" name="날짜 개체 틀 3">
-            <a:extLst>
-              <a:ext uri="{FF2B5EF4-FFF2-40B4-BE49-F238E27FC236}">
-                <a16:creationId xmlns:a16="http://schemas.microsoft.com/office/drawing/2014/main" id="{E2FA1A7B-3E74-45FF-A26C-445DFFC4C322}"/>
-              </a:ext>
-            </a:extLst>
-          </p:cNvPr>
+            <a:endParaRPr lang="en-US" dirty="0"/>
+          </a:p>
+        </p:txBody>
+      </p:sp>
+      <p:sp>
+        <p:nvSpPr>
+          <p:cNvPr id="4" name="Date Placeholder 3"/>
           <p:cNvSpPr>
             <a:spLocks noGrp="1"/>
           </p:cNvSpPr>
@@ -274,13 +265,7 @@
       </p:sp>
       <p:sp>
         <p:nvSpPr>
-          <p:cNvPr id="5" name="바닥글 개체 틀 4">
-            <a:extLst>
-              <a:ext uri="{FF2B5EF4-FFF2-40B4-BE49-F238E27FC236}">
-                <a16:creationId xmlns:a16="http://schemas.microsoft.com/office/drawing/2014/main" id="{36E70F96-7513-411F-9258-AA4C0EE17400}"/>
-              </a:ext>
-            </a:extLst>
-          </p:cNvPr>
+          <p:cNvPr id="5" name="Footer Placeholder 4"/>
           <p:cNvSpPr>
             <a:spLocks noGrp="1"/>
           </p:cNvSpPr>
@@ -299,13 +284,7 @@
       </p:sp>
       <p:sp>
         <p:nvSpPr>
-          <p:cNvPr id="6" name="슬라이드 번호 개체 틀 5">
-            <a:extLst>
-              <a:ext uri="{FF2B5EF4-FFF2-40B4-BE49-F238E27FC236}">
-                <a16:creationId xmlns:a16="http://schemas.microsoft.com/office/drawing/2014/main" id="{A02E29E6-DB95-4BFA-BC24-0B60A02A10C7}"/>
-              </a:ext>
-            </a:extLst>
-          </p:cNvPr>
+          <p:cNvPr id="6" name="Slide Number Placeholder 5"/>
           <p:cNvSpPr>
             <a:spLocks noGrp="1"/>
           </p:cNvSpPr>
@@ -329,7 +308,7 @@
     </p:spTree>
     <p:extLst>
       <p:ext uri="{BB962C8B-B14F-4D97-AF65-F5344CB8AC3E}">
-        <p14:creationId xmlns:p14="http://schemas.microsoft.com/office/powerpoint/2010/main" val="1971926892"/>
+        <p14:creationId xmlns:p14="http://schemas.microsoft.com/office/powerpoint/2010/main" val="2773295566"/>
       </p:ext>
     </p:extLst>
   </p:cSld>
@@ -358,13 +337,7 @@
       </p:grpSpPr>
       <p:sp>
         <p:nvSpPr>
-          <p:cNvPr id="2" name="제목 1">
-            <a:extLst>
-              <a:ext uri="{FF2B5EF4-FFF2-40B4-BE49-F238E27FC236}">
-                <a16:creationId xmlns:a16="http://schemas.microsoft.com/office/drawing/2014/main" id="{439418CC-3DAF-40B1-A462-91BC98A1D355}"/>
-              </a:ext>
-            </a:extLst>
-          </p:cNvPr>
+          <p:cNvPr id="2" name="Title 1"/>
           <p:cNvSpPr>
             <a:spLocks noGrp="1"/>
           </p:cNvSpPr>
@@ -381,18 +354,13 @@
               <a:rPr lang="ko-KR" altLang="en-US"/>
               <a:t>마스터 제목 스타일 편집</a:t>
             </a:r>
-          </a:p>
-        </p:txBody>
-      </p:sp>
-      <p:sp>
-        <p:nvSpPr>
-          <p:cNvPr id="3" name="세로 텍스트 개체 틀 2">
-            <a:extLst>
-              <a:ext uri="{FF2B5EF4-FFF2-40B4-BE49-F238E27FC236}">
-                <a16:creationId xmlns:a16="http://schemas.microsoft.com/office/drawing/2014/main" id="{2C8AB49C-F945-4D35-92F3-B58283884300}"/>
-              </a:ext>
-            </a:extLst>
-          </p:cNvPr>
+            <a:endParaRPr lang="en-US" dirty="0"/>
+          </a:p>
+        </p:txBody>
+      </p:sp>
+      <p:sp>
+        <p:nvSpPr>
+          <p:cNvPr id="3" name="Vertical Text Placeholder 2"/>
           <p:cNvSpPr>
             <a:spLocks noGrp="1"/>
           </p:cNvSpPr>
@@ -438,18 +406,13 @@
               <a:rPr lang="ko-KR" altLang="en-US"/>
               <a:t>다섯 번째 수준</a:t>
             </a:r>
-          </a:p>
-        </p:txBody>
-      </p:sp>
-      <p:sp>
-        <p:nvSpPr>
-          <p:cNvPr id="4" name="날짜 개체 틀 3">
-            <a:extLst>
-              <a:ext uri="{FF2B5EF4-FFF2-40B4-BE49-F238E27FC236}">
-                <a16:creationId xmlns:a16="http://schemas.microsoft.com/office/drawing/2014/main" id="{0A9EE5D9-997A-4941-A3D7-972E68A28211}"/>
-              </a:ext>
-            </a:extLst>
-          </p:cNvPr>
+            <a:endParaRPr lang="en-US" dirty="0"/>
+          </a:p>
+        </p:txBody>
+      </p:sp>
+      <p:sp>
+        <p:nvSpPr>
+          <p:cNvPr id="4" name="Date Placeholder 3"/>
           <p:cNvSpPr>
             <a:spLocks noGrp="1"/>
           </p:cNvSpPr>
@@ -472,13 +435,7 @@
       </p:sp>
       <p:sp>
         <p:nvSpPr>
-          <p:cNvPr id="5" name="바닥글 개체 틀 4">
-            <a:extLst>
-              <a:ext uri="{FF2B5EF4-FFF2-40B4-BE49-F238E27FC236}">
-                <a16:creationId xmlns:a16="http://schemas.microsoft.com/office/drawing/2014/main" id="{8DF480D0-65AF-4ED4-BD77-8F2A7710C7CB}"/>
-              </a:ext>
-            </a:extLst>
-          </p:cNvPr>
+          <p:cNvPr id="5" name="Footer Placeholder 4"/>
           <p:cNvSpPr>
             <a:spLocks noGrp="1"/>
           </p:cNvSpPr>
@@ -497,13 +454,7 @@
       </p:sp>
       <p:sp>
         <p:nvSpPr>
-          <p:cNvPr id="6" name="슬라이드 번호 개체 틀 5">
-            <a:extLst>
-              <a:ext uri="{FF2B5EF4-FFF2-40B4-BE49-F238E27FC236}">
-                <a16:creationId xmlns:a16="http://schemas.microsoft.com/office/drawing/2014/main" id="{45CF1285-C5F7-42DB-BB33-941F00A4AF04}"/>
-              </a:ext>
-            </a:extLst>
-          </p:cNvPr>
+          <p:cNvPr id="6" name="Slide Number Placeholder 5"/>
           <p:cNvSpPr>
             <a:spLocks noGrp="1"/>
           </p:cNvSpPr>
@@ -527,7 +478,7 @@
     </p:spTree>
     <p:extLst>
       <p:ext uri="{BB962C8B-B14F-4D97-AF65-F5344CB8AC3E}">
-        <p14:creationId xmlns:p14="http://schemas.microsoft.com/office/powerpoint/2010/main" val="2662555230"/>
+        <p14:creationId xmlns:p14="http://schemas.microsoft.com/office/powerpoint/2010/main" val="3051322003"/>
       </p:ext>
     </p:extLst>
   </p:cSld>
@@ -556,13 +507,7 @@
       </p:grpSpPr>
       <p:sp>
         <p:nvSpPr>
-          <p:cNvPr id="2" name="세로 제목 1">
-            <a:extLst>
-              <a:ext uri="{FF2B5EF4-FFF2-40B4-BE49-F238E27FC236}">
-                <a16:creationId xmlns:a16="http://schemas.microsoft.com/office/drawing/2014/main" id="{1D7D497F-A7FF-4970-8B42-DEAA84709FD7}"/>
-              </a:ext>
-            </a:extLst>
-          </p:cNvPr>
+          <p:cNvPr id="2" name="Vertical Title 1"/>
           <p:cNvSpPr>
             <a:spLocks noGrp="1"/>
           </p:cNvSpPr>
@@ -572,8 +517,8 @@
         </p:nvSpPr>
         <p:spPr>
           <a:xfrm>
-            <a:off x="8724900" y="365125"/>
-            <a:ext cx="2628900" cy="5811838"/>
+            <a:off x="4907757" y="527403"/>
+            <a:ext cx="1478756" cy="8394877"/>
           </a:xfrm>
         </p:spPr>
         <p:txBody>
@@ -584,18 +529,13 @@
               <a:rPr lang="ko-KR" altLang="en-US"/>
               <a:t>마스터 제목 스타일 편집</a:t>
             </a:r>
-          </a:p>
-        </p:txBody>
-      </p:sp>
-      <p:sp>
-        <p:nvSpPr>
-          <p:cNvPr id="3" name="세로 텍스트 개체 틀 2">
-            <a:extLst>
-              <a:ext uri="{FF2B5EF4-FFF2-40B4-BE49-F238E27FC236}">
-                <a16:creationId xmlns:a16="http://schemas.microsoft.com/office/drawing/2014/main" id="{951603DB-E2A9-4DAB-8AB7-D1D0AB517774}"/>
-              </a:ext>
-            </a:extLst>
-          </p:cNvPr>
+            <a:endParaRPr lang="en-US" dirty="0"/>
+          </a:p>
+        </p:txBody>
+      </p:sp>
+      <p:sp>
+        <p:nvSpPr>
+          <p:cNvPr id="3" name="Vertical Text Placeholder 2"/>
           <p:cNvSpPr>
             <a:spLocks noGrp="1"/>
           </p:cNvSpPr>
@@ -605,8 +545,8 @@
         </p:nvSpPr>
         <p:spPr>
           <a:xfrm>
-            <a:off x="838200" y="365125"/>
-            <a:ext cx="7734300" cy="5811838"/>
+            <a:off x="471488" y="527403"/>
+            <a:ext cx="4350544" cy="8394877"/>
           </a:xfrm>
         </p:spPr>
         <p:txBody>
@@ -646,18 +586,13 @@
               <a:rPr lang="ko-KR" altLang="en-US"/>
               <a:t>다섯 번째 수준</a:t>
             </a:r>
-          </a:p>
-        </p:txBody>
-      </p:sp>
-      <p:sp>
-        <p:nvSpPr>
-          <p:cNvPr id="4" name="날짜 개체 틀 3">
-            <a:extLst>
-              <a:ext uri="{FF2B5EF4-FFF2-40B4-BE49-F238E27FC236}">
-                <a16:creationId xmlns:a16="http://schemas.microsoft.com/office/drawing/2014/main" id="{195DF19F-24BD-442D-BF43-664560AFEB08}"/>
-              </a:ext>
-            </a:extLst>
-          </p:cNvPr>
+            <a:endParaRPr lang="en-US" dirty="0"/>
+          </a:p>
+        </p:txBody>
+      </p:sp>
+      <p:sp>
+        <p:nvSpPr>
+          <p:cNvPr id="4" name="Date Placeholder 3"/>
           <p:cNvSpPr>
             <a:spLocks noGrp="1"/>
           </p:cNvSpPr>
@@ -680,13 +615,7 @@
       </p:sp>
       <p:sp>
         <p:nvSpPr>
-          <p:cNvPr id="5" name="바닥글 개체 틀 4">
-            <a:extLst>
-              <a:ext uri="{FF2B5EF4-FFF2-40B4-BE49-F238E27FC236}">
-                <a16:creationId xmlns:a16="http://schemas.microsoft.com/office/drawing/2014/main" id="{CF16C25D-4EB5-4718-9536-228B46F0F82F}"/>
-              </a:ext>
-            </a:extLst>
-          </p:cNvPr>
+          <p:cNvPr id="5" name="Footer Placeholder 4"/>
           <p:cNvSpPr>
             <a:spLocks noGrp="1"/>
           </p:cNvSpPr>
@@ -705,13 +634,7 @@
       </p:sp>
       <p:sp>
         <p:nvSpPr>
-          <p:cNvPr id="6" name="슬라이드 번호 개체 틀 5">
-            <a:extLst>
-              <a:ext uri="{FF2B5EF4-FFF2-40B4-BE49-F238E27FC236}">
-                <a16:creationId xmlns:a16="http://schemas.microsoft.com/office/drawing/2014/main" id="{2B319E2B-BC3A-4502-893F-A8180ED16C2D}"/>
-              </a:ext>
-            </a:extLst>
-          </p:cNvPr>
+          <p:cNvPr id="6" name="Slide Number Placeholder 5"/>
           <p:cNvSpPr>
             <a:spLocks noGrp="1"/>
           </p:cNvSpPr>
@@ -735,7 +658,7 @@
     </p:spTree>
     <p:extLst>
       <p:ext uri="{BB962C8B-B14F-4D97-AF65-F5344CB8AC3E}">
-        <p14:creationId xmlns:p14="http://schemas.microsoft.com/office/powerpoint/2010/main" val="2523046576"/>
+        <p14:creationId xmlns:p14="http://schemas.microsoft.com/office/powerpoint/2010/main" val="2750882322"/>
       </p:ext>
     </p:extLst>
   </p:cSld>
@@ -764,13 +687,7 @@
       </p:grpSpPr>
       <p:sp>
         <p:nvSpPr>
-          <p:cNvPr id="2" name="제목 1">
-            <a:extLst>
-              <a:ext uri="{FF2B5EF4-FFF2-40B4-BE49-F238E27FC236}">
-                <a16:creationId xmlns:a16="http://schemas.microsoft.com/office/drawing/2014/main" id="{B062BDD0-C1D3-4329-B3DD-BCD55A9083C5}"/>
-              </a:ext>
-            </a:extLst>
-          </p:cNvPr>
+          <p:cNvPr id="2" name="Title 1"/>
           <p:cNvSpPr>
             <a:spLocks noGrp="1"/>
           </p:cNvSpPr>
@@ -787,18 +704,13 @@
               <a:rPr lang="ko-KR" altLang="en-US"/>
               <a:t>마스터 제목 스타일 편집</a:t>
             </a:r>
-          </a:p>
-        </p:txBody>
-      </p:sp>
-      <p:sp>
-        <p:nvSpPr>
-          <p:cNvPr id="3" name="내용 개체 틀 2">
-            <a:extLst>
-              <a:ext uri="{FF2B5EF4-FFF2-40B4-BE49-F238E27FC236}">
-                <a16:creationId xmlns:a16="http://schemas.microsoft.com/office/drawing/2014/main" id="{2D0B740E-629B-43FD-A3E6-67E6444B7ADD}"/>
-              </a:ext>
-            </a:extLst>
-          </p:cNvPr>
+            <a:endParaRPr lang="en-US" dirty="0"/>
+          </a:p>
+        </p:txBody>
+      </p:sp>
+      <p:sp>
+        <p:nvSpPr>
+          <p:cNvPr id="3" name="Content Placeholder 2"/>
           <p:cNvSpPr>
             <a:spLocks noGrp="1"/>
           </p:cNvSpPr>
@@ -844,18 +756,13 @@
               <a:rPr lang="ko-KR" altLang="en-US"/>
               <a:t>다섯 번째 수준</a:t>
             </a:r>
-          </a:p>
-        </p:txBody>
-      </p:sp>
-      <p:sp>
-        <p:nvSpPr>
-          <p:cNvPr id="4" name="날짜 개체 틀 3">
-            <a:extLst>
-              <a:ext uri="{FF2B5EF4-FFF2-40B4-BE49-F238E27FC236}">
-                <a16:creationId xmlns:a16="http://schemas.microsoft.com/office/drawing/2014/main" id="{B40ADF02-18E8-4FB1-90DD-76358B8B163A}"/>
-              </a:ext>
-            </a:extLst>
-          </p:cNvPr>
+            <a:endParaRPr lang="en-US" dirty="0"/>
+          </a:p>
+        </p:txBody>
+      </p:sp>
+      <p:sp>
+        <p:nvSpPr>
+          <p:cNvPr id="4" name="Date Placeholder 3"/>
           <p:cNvSpPr>
             <a:spLocks noGrp="1"/>
           </p:cNvSpPr>
@@ -878,13 +785,7 @@
       </p:sp>
       <p:sp>
         <p:nvSpPr>
-          <p:cNvPr id="5" name="바닥글 개체 틀 4">
-            <a:extLst>
-              <a:ext uri="{FF2B5EF4-FFF2-40B4-BE49-F238E27FC236}">
-                <a16:creationId xmlns:a16="http://schemas.microsoft.com/office/drawing/2014/main" id="{6CDED4C8-62EE-4B03-BEC5-2E316B3EA0B1}"/>
-              </a:ext>
-            </a:extLst>
-          </p:cNvPr>
+          <p:cNvPr id="5" name="Footer Placeholder 4"/>
           <p:cNvSpPr>
             <a:spLocks noGrp="1"/>
           </p:cNvSpPr>
@@ -903,13 +804,7 @@
       </p:sp>
       <p:sp>
         <p:nvSpPr>
-          <p:cNvPr id="6" name="슬라이드 번호 개체 틀 5">
-            <a:extLst>
-              <a:ext uri="{FF2B5EF4-FFF2-40B4-BE49-F238E27FC236}">
-                <a16:creationId xmlns:a16="http://schemas.microsoft.com/office/drawing/2014/main" id="{B3BECA5E-2F23-4BB3-AE05-6493318023CA}"/>
-              </a:ext>
-            </a:extLst>
-          </p:cNvPr>
+          <p:cNvPr id="6" name="Slide Number Placeholder 5"/>
           <p:cNvSpPr>
             <a:spLocks noGrp="1"/>
           </p:cNvSpPr>
@@ -933,7 +828,7 @@
     </p:spTree>
     <p:extLst>
       <p:ext uri="{BB962C8B-B14F-4D97-AF65-F5344CB8AC3E}">
-        <p14:creationId xmlns:p14="http://schemas.microsoft.com/office/powerpoint/2010/main" val="3356275507"/>
+        <p14:creationId xmlns:p14="http://schemas.microsoft.com/office/powerpoint/2010/main" val="3365717896"/>
       </p:ext>
     </p:extLst>
   </p:cSld>
@@ -962,13 +857,7 @@
       </p:grpSpPr>
       <p:sp>
         <p:nvSpPr>
-          <p:cNvPr id="2" name="제목 1">
-            <a:extLst>
-              <a:ext uri="{FF2B5EF4-FFF2-40B4-BE49-F238E27FC236}">
-                <a16:creationId xmlns:a16="http://schemas.microsoft.com/office/drawing/2014/main" id="{7A9BF439-969C-4D5D-9A24-6287708D846C}"/>
-              </a:ext>
-            </a:extLst>
-          </p:cNvPr>
+          <p:cNvPr id="2" name="Title 1"/>
           <p:cNvSpPr>
             <a:spLocks noGrp="1"/>
           </p:cNvSpPr>
@@ -978,15 +867,15 @@
         </p:nvSpPr>
         <p:spPr>
           <a:xfrm>
-            <a:off x="831850" y="1709738"/>
-            <a:ext cx="10515600" cy="2852737"/>
+            <a:off x="467916" y="2469624"/>
+            <a:ext cx="5915025" cy="4120620"/>
           </a:xfrm>
         </p:spPr>
         <p:txBody>
           <a:bodyPr anchor="b"/>
           <a:lstStyle>
             <a:lvl1pPr>
-              <a:defRPr sz="6000"/>
+              <a:defRPr sz="4500"/>
             </a:lvl1pPr>
           </a:lstStyle>
           <a:p>
@@ -994,18 +883,13 @@
               <a:rPr lang="ko-KR" altLang="en-US"/>
               <a:t>마스터 제목 스타일 편집</a:t>
             </a:r>
-          </a:p>
-        </p:txBody>
-      </p:sp>
-      <p:sp>
-        <p:nvSpPr>
-          <p:cNvPr id="3" name="텍스트 개체 틀 2">
-            <a:extLst>
-              <a:ext uri="{FF2B5EF4-FFF2-40B4-BE49-F238E27FC236}">
-                <a16:creationId xmlns:a16="http://schemas.microsoft.com/office/drawing/2014/main" id="{166D1BB0-9685-4B6A-BF23-57DA5933695B}"/>
-              </a:ext>
-            </a:extLst>
-          </p:cNvPr>
+            <a:endParaRPr lang="en-US" dirty="0"/>
+          </a:p>
+        </p:txBody>
+      </p:sp>
+      <p:sp>
+        <p:nvSpPr>
+          <p:cNvPr id="3" name="Text Placeholder 2"/>
           <p:cNvSpPr>
             <a:spLocks noGrp="1"/>
           </p:cNvSpPr>
@@ -1015,8 +899,8 @@
         </p:nvSpPr>
         <p:spPr>
           <a:xfrm>
-            <a:off x="831850" y="4589463"/>
-            <a:ext cx="10515600" cy="1500187"/>
+            <a:off x="467916" y="6629226"/>
+            <a:ext cx="5915025" cy="2166937"/>
           </a:xfrm>
         </p:spPr>
         <p:txBody>
@@ -1024,17 +908,15 @@
           <a:lstStyle>
             <a:lvl1pPr marL="0" indent="0">
               <a:buNone/>
-              <a:defRPr sz="2400">
+              <a:defRPr sz="1800">
                 <a:solidFill>
-                  <a:schemeClr val="tx1">
-                    <a:tint val="75000"/>
-                  </a:schemeClr>
+                  <a:schemeClr val="tx1"/>
                 </a:solidFill>
               </a:defRPr>
             </a:lvl1pPr>
-            <a:lvl2pPr marL="457200" indent="0">
-              <a:buNone/>
-              <a:defRPr sz="2000">
+            <a:lvl2pPr marL="342900" indent="0">
+              <a:buNone/>
+              <a:defRPr sz="1500">
                 <a:solidFill>
                   <a:schemeClr val="tx1">
                     <a:tint val="75000"/>
@@ -1042,9 +924,9 @@
                 </a:solidFill>
               </a:defRPr>
             </a:lvl2pPr>
-            <a:lvl3pPr marL="914400" indent="0">
-              <a:buNone/>
-              <a:defRPr sz="1800">
+            <a:lvl3pPr marL="685800" indent="0">
+              <a:buNone/>
+              <a:defRPr sz="1350">
                 <a:solidFill>
                   <a:schemeClr val="tx1">
                     <a:tint val="75000"/>
@@ -1052,9 +934,9 @@
                 </a:solidFill>
               </a:defRPr>
             </a:lvl3pPr>
-            <a:lvl4pPr marL="1371600" indent="0">
-              <a:buNone/>
-              <a:defRPr sz="1600">
+            <a:lvl4pPr marL="1028700" indent="0">
+              <a:buNone/>
+              <a:defRPr sz="1200">
                 <a:solidFill>
                   <a:schemeClr val="tx1">
                     <a:tint val="75000"/>
@@ -1062,9 +944,9 @@
                 </a:solidFill>
               </a:defRPr>
             </a:lvl4pPr>
-            <a:lvl5pPr marL="1828800" indent="0">
-              <a:buNone/>
-              <a:defRPr sz="1600">
+            <a:lvl5pPr marL="1371600" indent="0">
+              <a:buNone/>
+              <a:defRPr sz="1200">
                 <a:solidFill>
                   <a:schemeClr val="tx1">
                     <a:tint val="75000"/>
@@ -1072,9 +954,9 @@
                 </a:solidFill>
               </a:defRPr>
             </a:lvl5pPr>
-            <a:lvl6pPr marL="2286000" indent="0">
-              <a:buNone/>
-              <a:defRPr sz="1600">
+            <a:lvl6pPr marL="1714500" indent="0">
+              <a:buNone/>
+              <a:defRPr sz="1200">
                 <a:solidFill>
                   <a:schemeClr val="tx1">
                     <a:tint val="75000"/>
@@ -1082,9 +964,9 @@
                 </a:solidFill>
               </a:defRPr>
             </a:lvl6pPr>
-            <a:lvl7pPr marL="2743200" indent="0">
-              <a:buNone/>
-              <a:defRPr sz="1600">
+            <a:lvl7pPr marL="2057400" indent="0">
+              <a:buNone/>
+              <a:defRPr sz="1200">
                 <a:solidFill>
                   <a:schemeClr val="tx1">
                     <a:tint val="75000"/>
@@ -1092,9 +974,9 @@
                 </a:solidFill>
               </a:defRPr>
             </a:lvl7pPr>
-            <a:lvl8pPr marL="3200400" indent="0">
-              <a:buNone/>
-              <a:defRPr sz="1600">
+            <a:lvl8pPr marL="2400300" indent="0">
+              <a:buNone/>
+              <a:defRPr sz="1200">
                 <a:solidFill>
                   <a:schemeClr val="tx1">
                     <a:tint val="75000"/>
@@ -1102,9 +984,9 @@
                 </a:solidFill>
               </a:defRPr>
             </a:lvl8pPr>
-            <a:lvl9pPr marL="3657600" indent="0">
-              <a:buNone/>
-              <a:defRPr sz="1600">
+            <a:lvl9pPr marL="2743200" indent="0">
+              <a:buNone/>
+              <a:defRPr sz="1200">
                 <a:solidFill>
                   <a:schemeClr val="tx1">
                     <a:tint val="75000"/>
@@ -1124,13 +1006,7 @@
       </p:sp>
       <p:sp>
         <p:nvSpPr>
-          <p:cNvPr id="4" name="날짜 개체 틀 3">
-            <a:extLst>
-              <a:ext uri="{FF2B5EF4-FFF2-40B4-BE49-F238E27FC236}">
-                <a16:creationId xmlns:a16="http://schemas.microsoft.com/office/drawing/2014/main" id="{FFBB1665-E508-45AF-B902-DE6739E95CE7}"/>
-              </a:ext>
-            </a:extLst>
-          </p:cNvPr>
+          <p:cNvPr id="4" name="Date Placeholder 3"/>
           <p:cNvSpPr>
             <a:spLocks noGrp="1"/>
           </p:cNvSpPr>
@@ -1153,13 +1029,7 @@
       </p:sp>
       <p:sp>
         <p:nvSpPr>
-          <p:cNvPr id="5" name="바닥글 개체 틀 4">
-            <a:extLst>
-              <a:ext uri="{FF2B5EF4-FFF2-40B4-BE49-F238E27FC236}">
-                <a16:creationId xmlns:a16="http://schemas.microsoft.com/office/drawing/2014/main" id="{EFF19D42-DC00-4DAF-B36A-64C32F2611A0}"/>
-              </a:ext>
-            </a:extLst>
-          </p:cNvPr>
+          <p:cNvPr id="5" name="Footer Placeholder 4"/>
           <p:cNvSpPr>
             <a:spLocks noGrp="1"/>
           </p:cNvSpPr>
@@ -1178,13 +1048,7 @@
       </p:sp>
       <p:sp>
         <p:nvSpPr>
-          <p:cNvPr id="6" name="슬라이드 번호 개체 틀 5">
-            <a:extLst>
-              <a:ext uri="{FF2B5EF4-FFF2-40B4-BE49-F238E27FC236}">
-                <a16:creationId xmlns:a16="http://schemas.microsoft.com/office/drawing/2014/main" id="{9FB3CEDF-8F22-4642-BF92-3F323F4BCD61}"/>
-              </a:ext>
-            </a:extLst>
-          </p:cNvPr>
+          <p:cNvPr id="6" name="Slide Number Placeholder 5"/>
           <p:cNvSpPr>
             <a:spLocks noGrp="1"/>
           </p:cNvSpPr>
@@ -1208,7 +1072,7 @@
     </p:spTree>
     <p:extLst>
       <p:ext uri="{BB962C8B-B14F-4D97-AF65-F5344CB8AC3E}">
-        <p14:creationId xmlns:p14="http://schemas.microsoft.com/office/powerpoint/2010/main" val="857327023"/>
+        <p14:creationId xmlns:p14="http://schemas.microsoft.com/office/powerpoint/2010/main" val="3737245022"/>
       </p:ext>
     </p:extLst>
   </p:cSld>
@@ -1237,13 +1101,7 @@
       </p:grpSpPr>
       <p:sp>
         <p:nvSpPr>
-          <p:cNvPr id="2" name="제목 1">
-            <a:extLst>
-              <a:ext uri="{FF2B5EF4-FFF2-40B4-BE49-F238E27FC236}">
-                <a16:creationId xmlns:a16="http://schemas.microsoft.com/office/drawing/2014/main" id="{1111C240-71E1-432D-A409-28229B0EA73F}"/>
-              </a:ext>
-            </a:extLst>
-          </p:cNvPr>
+          <p:cNvPr id="2" name="Title 1"/>
           <p:cNvSpPr>
             <a:spLocks noGrp="1"/>
           </p:cNvSpPr>
@@ -1260,18 +1118,13 @@
               <a:rPr lang="ko-KR" altLang="en-US"/>
               <a:t>마스터 제목 스타일 편집</a:t>
             </a:r>
-          </a:p>
-        </p:txBody>
-      </p:sp>
-      <p:sp>
-        <p:nvSpPr>
-          <p:cNvPr id="3" name="내용 개체 틀 2">
-            <a:extLst>
-              <a:ext uri="{FF2B5EF4-FFF2-40B4-BE49-F238E27FC236}">
-                <a16:creationId xmlns:a16="http://schemas.microsoft.com/office/drawing/2014/main" id="{D65A5E4E-769D-4E17-A2C7-0C8829B09DC0}"/>
-              </a:ext>
-            </a:extLst>
-          </p:cNvPr>
+            <a:endParaRPr lang="en-US" dirty="0"/>
+          </a:p>
+        </p:txBody>
+      </p:sp>
+      <p:sp>
+        <p:nvSpPr>
+          <p:cNvPr id="3" name="Content Placeholder 2"/>
           <p:cNvSpPr>
             <a:spLocks noGrp="1"/>
           </p:cNvSpPr>
@@ -1281,8 +1134,8 @@
         </p:nvSpPr>
         <p:spPr>
           <a:xfrm>
-            <a:off x="838200" y="1825625"/>
-            <a:ext cx="5181600" cy="4351338"/>
+            <a:off x="471488" y="2637014"/>
+            <a:ext cx="2914650" cy="6285266"/>
           </a:xfrm>
         </p:spPr>
         <p:txBody>
@@ -1322,18 +1175,13 @@
               <a:rPr lang="ko-KR" altLang="en-US"/>
               <a:t>다섯 번째 수준</a:t>
             </a:r>
-          </a:p>
-        </p:txBody>
-      </p:sp>
-      <p:sp>
-        <p:nvSpPr>
-          <p:cNvPr id="4" name="내용 개체 틀 3">
-            <a:extLst>
-              <a:ext uri="{FF2B5EF4-FFF2-40B4-BE49-F238E27FC236}">
-                <a16:creationId xmlns:a16="http://schemas.microsoft.com/office/drawing/2014/main" id="{BC244C10-CEF5-4B93-8FDA-EE65EA2D21C4}"/>
-              </a:ext>
-            </a:extLst>
-          </p:cNvPr>
+            <a:endParaRPr lang="en-US" dirty="0"/>
+          </a:p>
+        </p:txBody>
+      </p:sp>
+      <p:sp>
+        <p:nvSpPr>
+          <p:cNvPr id="4" name="Content Placeholder 3"/>
           <p:cNvSpPr>
             <a:spLocks noGrp="1"/>
           </p:cNvSpPr>
@@ -1343,8 +1191,8 @@
         </p:nvSpPr>
         <p:spPr>
           <a:xfrm>
-            <a:off x="6172200" y="1825625"/>
-            <a:ext cx="5181600" cy="4351338"/>
+            <a:off x="3471863" y="2637014"/>
+            <a:ext cx="2914650" cy="6285266"/>
           </a:xfrm>
         </p:spPr>
         <p:txBody>
@@ -1384,18 +1232,13 @@
               <a:rPr lang="ko-KR" altLang="en-US"/>
               <a:t>다섯 번째 수준</a:t>
             </a:r>
-          </a:p>
-        </p:txBody>
-      </p:sp>
-      <p:sp>
-        <p:nvSpPr>
-          <p:cNvPr id="5" name="날짜 개체 틀 4">
-            <a:extLst>
-              <a:ext uri="{FF2B5EF4-FFF2-40B4-BE49-F238E27FC236}">
-                <a16:creationId xmlns:a16="http://schemas.microsoft.com/office/drawing/2014/main" id="{1A6608B7-488B-457C-B565-A216F71F61D6}"/>
-              </a:ext>
-            </a:extLst>
-          </p:cNvPr>
+            <a:endParaRPr lang="en-US" dirty="0"/>
+          </a:p>
+        </p:txBody>
+      </p:sp>
+      <p:sp>
+        <p:nvSpPr>
+          <p:cNvPr id="5" name="Date Placeholder 4"/>
           <p:cNvSpPr>
             <a:spLocks noGrp="1"/>
           </p:cNvSpPr>
@@ -1418,13 +1261,7 @@
       </p:sp>
       <p:sp>
         <p:nvSpPr>
-          <p:cNvPr id="6" name="바닥글 개체 틀 5">
-            <a:extLst>
-              <a:ext uri="{FF2B5EF4-FFF2-40B4-BE49-F238E27FC236}">
-                <a16:creationId xmlns:a16="http://schemas.microsoft.com/office/drawing/2014/main" id="{51F05217-EE4A-4FCC-9B0C-148BEDEC7FD2}"/>
-              </a:ext>
-            </a:extLst>
-          </p:cNvPr>
+          <p:cNvPr id="6" name="Footer Placeholder 5"/>
           <p:cNvSpPr>
             <a:spLocks noGrp="1"/>
           </p:cNvSpPr>
@@ -1443,13 +1280,7 @@
       </p:sp>
       <p:sp>
         <p:nvSpPr>
-          <p:cNvPr id="7" name="슬라이드 번호 개체 틀 6">
-            <a:extLst>
-              <a:ext uri="{FF2B5EF4-FFF2-40B4-BE49-F238E27FC236}">
-                <a16:creationId xmlns:a16="http://schemas.microsoft.com/office/drawing/2014/main" id="{032E5680-D603-4B2C-816C-2C3E3906367A}"/>
-              </a:ext>
-            </a:extLst>
-          </p:cNvPr>
+          <p:cNvPr id="7" name="Slide Number Placeholder 6"/>
           <p:cNvSpPr>
             <a:spLocks noGrp="1"/>
           </p:cNvSpPr>
@@ -1473,7 +1304,7 @@
     </p:spTree>
     <p:extLst>
       <p:ext uri="{BB962C8B-B14F-4D97-AF65-F5344CB8AC3E}">
-        <p14:creationId xmlns:p14="http://schemas.microsoft.com/office/powerpoint/2010/main" val="3328773900"/>
+        <p14:creationId xmlns:p14="http://schemas.microsoft.com/office/powerpoint/2010/main" val="4026430967"/>
       </p:ext>
     </p:extLst>
   </p:cSld>
@@ -1502,13 +1333,7 @@
       </p:grpSpPr>
       <p:sp>
         <p:nvSpPr>
-          <p:cNvPr id="2" name="제목 1">
-            <a:extLst>
-              <a:ext uri="{FF2B5EF4-FFF2-40B4-BE49-F238E27FC236}">
-                <a16:creationId xmlns:a16="http://schemas.microsoft.com/office/drawing/2014/main" id="{17E1CD60-FA80-4603-93A0-BF8086C6BA79}"/>
-              </a:ext>
-            </a:extLst>
-          </p:cNvPr>
+          <p:cNvPr id="2" name="Title 1"/>
           <p:cNvSpPr>
             <a:spLocks noGrp="1"/>
           </p:cNvSpPr>
@@ -1518,8 +1343,8 @@
         </p:nvSpPr>
         <p:spPr>
           <a:xfrm>
-            <a:off x="839788" y="365125"/>
-            <a:ext cx="10515600" cy="1325563"/>
+            <a:off x="472381" y="527405"/>
+            <a:ext cx="5915025" cy="1914702"/>
           </a:xfrm>
         </p:spPr>
         <p:txBody>
@@ -1530,18 +1355,13 @@
               <a:rPr lang="ko-KR" altLang="en-US"/>
               <a:t>마스터 제목 스타일 편집</a:t>
             </a:r>
-          </a:p>
-        </p:txBody>
-      </p:sp>
-      <p:sp>
-        <p:nvSpPr>
-          <p:cNvPr id="3" name="텍스트 개체 틀 2">
-            <a:extLst>
-              <a:ext uri="{FF2B5EF4-FFF2-40B4-BE49-F238E27FC236}">
-                <a16:creationId xmlns:a16="http://schemas.microsoft.com/office/drawing/2014/main" id="{1AB29734-8E8E-4D25-A6EC-466942A7A128}"/>
-              </a:ext>
-            </a:extLst>
-          </p:cNvPr>
+            <a:endParaRPr lang="en-US" dirty="0"/>
+          </a:p>
+        </p:txBody>
+      </p:sp>
+      <p:sp>
+        <p:nvSpPr>
+          <p:cNvPr id="3" name="Text Placeholder 2"/>
           <p:cNvSpPr>
             <a:spLocks noGrp="1"/>
           </p:cNvSpPr>
@@ -1551,8 +1371,8 @@
         </p:nvSpPr>
         <p:spPr>
           <a:xfrm>
-            <a:off x="839788" y="1681163"/>
-            <a:ext cx="5157787" cy="823912"/>
+            <a:off x="472381" y="2428347"/>
+            <a:ext cx="2901255" cy="1190095"/>
           </a:xfrm>
         </p:spPr>
         <p:txBody>
@@ -1560,39 +1380,39 @@
           <a:lstStyle>
             <a:lvl1pPr marL="0" indent="0">
               <a:buNone/>
-              <a:defRPr sz="2400" b="1"/>
+              <a:defRPr sz="1800" b="1"/>
             </a:lvl1pPr>
-            <a:lvl2pPr marL="457200" indent="0">
-              <a:buNone/>
-              <a:defRPr sz="2000" b="1"/>
+            <a:lvl2pPr marL="342900" indent="0">
+              <a:buNone/>
+              <a:defRPr sz="1500" b="1"/>
             </a:lvl2pPr>
-            <a:lvl3pPr marL="914400" indent="0">
-              <a:buNone/>
-              <a:defRPr sz="1800" b="1"/>
+            <a:lvl3pPr marL="685800" indent="0">
+              <a:buNone/>
+              <a:defRPr sz="1350" b="1"/>
             </a:lvl3pPr>
-            <a:lvl4pPr marL="1371600" indent="0">
-              <a:buNone/>
-              <a:defRPr sz="1600" b="1"/>
+            <a:lvl4pPr marL="1028700" indent="0">
+              <a:buNone/>
+              <a:defRPr sz="1200" b="1"/>
             </a:lvl4pPr>
-            <a:lvl5pPr marL="1828800" indent="0">
-              <a:buNone/>
-              <a:defRPr sz="1600" b="1"/>
+            <a:lvl5pPr marL="1371600" indent="0">
+              <a:buNone/>
+              <a:defRPr sz="1200" b="1"/>
             </a:lvl5pPr>
-            <a:lvl6pPr marL="2286000" indent="0">
-              <a:buNone/>
-              <a:defRPr sz="1600" b="1"/>
+            <a:lvl6pPr marL="1714500" indent="0">
+              <a:buNone/>
+              <a:defRPr sz="1200" b="1"/>
             </a:lvl6pPr>
-            <a:lvl7pPr marL="2743200" indent="0">
-              <a:buNone/>
-              <a:defRPr sz="1600" b="1"/>
+            <a:lvl7pPr marL="2057400" indent="0">
+              <a:buNone/>
+              <a:defRPr sz="1200" b="1"/>
             </a:lvl7pPr>
-            <a:lvl8pPr marL="3200400" indent="0">
-              <a:buNone/>
-              <a:defRPr sz="1600" b="1"/>
+            <a:lvl8pPr marL="2400300" indent="0">
+              <a:buNone/>
+              <a:defRPr sz="1200" b="1"/>
             </a:lvl8pPr>
-            <a:lvl9pPr marL="3657600" indent="0">
-              <a:buNone/>
-              <a:defRPr sz="1600" b="1"/>
+            <a:lvl9pPr marL="2743200" indent="0">
+              <a:buNone/>
+              <a:defRPr sz="1200" b="1"/>
             </a:lvl9pPr>
           </a:lstStyle>
           <a:p>
@@ -1606,13 +1426,7 @@
       </p:sp>
       <p:sp>
         <p:nvSpPr>
-          <p:cNvPr id="4" name="내용 개체 틀 3">
-            <a:extLst>
-              <a:ext uri="{FF2B5EF4-FFF2-40B4-BE49-F238E27FC236}">
-                <a16:creationId xmlns:a16="http://schemas.microsoft.com/office/drawing/2014/main" id="{A7D932AE-DA86-49B1-8ADC-5008DAC7DA53}"/>
-              </a:ext>
-            </a:extLst>
-          </p:cNvPr>
+          <p:cNvPr id="4" name="Content Placeholder 3"/>
           <p:cNvSpPr>
             <a:spLocks noGrp="1"/>
           </p:cNvSpPr>
@@ -1622,8 +1436,8 @@
         </p:nvSpPr>
         <p:spPr>
           <a:xfrm>
-            <a:off x="839788" y="2505075"/>
-            <a:ext cx="5157787" cy="3684588"/>
+            <a:off x="472381" y="3618442"/>
+            <a:ext cx="2901255" cy="5322183"/>
           </a:xfrm>
         </p:spPr>
         <p:txBody>
@@ -1663,18 +1477,13 @@
               <a:rPr lang="ko-KR" altLang="en-US"/>
               <a:t>다섯 번째 수준</a:t>
             </a:r>
-          </a:p>
-        </p:txBody>
-      </p:sp>
-      <p:sp>
-        <p:nvSpPr>
-          <p:cNvPr id="5" name="텍스트 개체 틀 4">
-            <a:extLst>
-              <a:ext uri="{FF2B5EF4-FFF2-40B4-BE49-F238E27FC236}">
-                <a16:creationId xmlns:a16="http://schemas.microsoft.com/office/drawing/2014/main" id="{7EEEF18E-CA50-4D82-BEE9-DE3AFFE79E03}"/>
-              </a:ext>
-            </a:extLst>
-          </p:cNvPr>
+            <a:endParaRPr lang="en-US" dirty="0"/>
+          </a:p>
+        </p:txBody>
+      </p:sp>
+      <p:sp>
+        <p:nvSpPr>
+          <p:cNvPr id="5" name="Text Placeholder 4"/>
           <p:cNvSpPr>
             <a:spLocks noGrp="1"/>
           </p:cNvSpPr>
@@ -1684,8 +1493,8 @@
         </p:nvSpPr>
         <p:spPr>
           <a:xfrm>
-            <a:off x="6172200" y="1681163"/>
-            <a:ext cx="5183188" cy="823912"/>
+            <a:off x="3471863" y="2428347"/>
+            <a:ext cx="2915543" cy="1190095"/>
           </a:xfrm>
         </p:spPr>
         <p:txBody>
@@ -1693,39 +1502,39 @@
           <a:lstStyle>
             <a:lvl1pPr marL="0" indent="0">
               <a:buNone/>
-              <a:defRPr sz="2400" b="1"/>
+              <a:defRPr sz="1800" b="1"/>
             </a:lvl1pPr>
-            <a:lvl2pPr marL="457200" indent="0">
-              <a:buNone/>
-              <a:defRPr sz="2000" b="1"/>
+            <a:lvl2pPr marL="342900" indent="0">
+              <a:buNone/>
+              <a:defRPr sz="1500" b="1"/>
             </a:lvl2pPr>
-            <a:lvl3pPr marL="914400" indent="0">
-              <a:buNone/>
-              <a:defRPr sz="1800" b="1"/>
+            <a:lvl3pPr marL="685800" indent="0">
+              <a:buNone/>
+              <a:defRPr sz="1350" b="1"/>
             </a:lvl3pPr>
-            <a:lvl4pPr marL="1371600" indent="0">
-              <a:buNone/>
-              <a:defRPr sz="1600" b="1"/>
+            <a:lvl4pPr marL="1028700" indent="0">
+              <a:buNone/>
+              <a:defRPr sz="1200" b="1"/>
             </a:lvl4pPr>
-            <a:lvl5pPr marL="1828800" indent="0">
-              <a:buNone/>
-              <a:defRPr sz="1600" b="1"/>
+            <a:lvl5pPr marL="1371600" indent="0">
+              <a:buNone/>
+              <a:defRPr sz="1200" b="1"/>
             </a:lvl5pPr>
-            <a:lvl6pPr marL="2286000" indent="0">
-              <a:buNone/>
-              <a:defRPr sz="1600" b="1"/>
+            <a:lvl6pPr marL="1714500" indent="0">
+              <a:buNone/>
+              <a:defRPr sz="1200" b="1"/>
             </a:lvl6pPr>
-            <a:lvl7pPr marL="2743200" indent="0">
-              <a:buNone/>
-              <a:defRPr sz="1600" b="1"/>
+            <a:lvl7pPr marL="2057400" indent="0">
+              <a:buNone/>
+              <a:defRPr sz="1200" b="1"/>
             </a:lvl7pPr>
-            <a:lvl8pPr marL="3200400" indent="0">
-              <a:buNone/>
-              <a:defRPr sz="1600" b="1"/>
+            <a:lvl8pPr marL="2400300" indent="0">
+              <a:buNone/>
+              <a:defRPr sz="1200" b="1"/>
             </a:lvl8pPr>
-            <a:lvl9pPr marL="3657600" indent="0">
-              <a:buNone/>
-              <a:defRPr sz="1600" b="1"/>
+            <a:lvl9pPr marL="2743200" indent="0">
+              <a:buNone/>
+              <a:defRPr sz="1200" b="1"/>
             </a:lvl9pPr>
           </a:lstStyle>
           <a:p>
@@ -1739,13 +1548,7 @@
       </p:sp>
       <p:sp>
         <p:nvSpPr>
-          <p:cNvPr id="6" name="내용 개체 틀 5">
-            <a:extLst>
-              <a:ext uri="{FF2B5EF4-FFF2-40B4-BE49-F238E27FC236}">
-                <a16:creationId xmlns:a16="http://schemas.microsoft.com/office/drawing/2014/main" id="{A9E00287-6AC6-4C09-938D-BD72471F85D0}"/>
-              </a:ext>
-            </a:extLst>
-          </p:cNvPr>
+          <p:cNvPr id="6" name="Content Placeholder 5"/>
           <p:cNvSpPr>
             <a:spLocks noGrp="1"/>
           </p:cNvSpPr>
@@ -1755,8 +1558,8 @@
         </p:nvSpPr>
         <p:spPr>
           <a:xfrm>
-            <a:off x="6172200" y="2505075"/>
-            <a:ext cx="5183188" cy="3684588"/>
+            <a:off x="3471863" y="3618442"/>
+            <a:ext cx="2915543" cy="5322183"/>
           </a:xfrm>
         </p:spPr>
         <p:txBody>
@@ -1796,18 +1599,13 @@
               <a:rPr lang="ko-KR" altLang="en-US"/>
               <a:t>다섯 번째 수준</a:t>
             </a:r>
-          </a:p>
-        </p:txBody>
-      </p:sp>
-      <p:sp>
-        <p:nvSpPr>
-          <p:cNvPr id="7" name="날짜 개체 틀 6">
-            <a:extLst>
-              <a:ext uri="{FF2B5EF4-FFF2-40B4-BE49-F238E27FC236}">
-                <a16:creationId xmlns:a16="http://schemas.microsoft.com/office/drawing/2014/main" id="{98BAE34B-F238-4345-BD40-21157B2E3C42}"/>
-              </a:ext>
-            </a:extLst>
-          </p:cNvPr>
+            <a:endParaRPr lang="en-US" dirty="0"/>
+          </a:p>
+        </p:txBody>
+      </p:sp>
+      <p:sp>
+        <p:nvSpPr>
+          <p:cNvPr id="7" name="Date Placeholder 6"/>
           <p:cNvSpPr>
             <a:spLocks noGrp="1"/>
           </p:cNvSpPr>
@@ -1830,13 +1628,7 @@
       </p:sp>
       <p:sp>
         <p:nvSpPr>
-          <p:cNvPr id="8" name="바닥글 개체 틀 7">
-            <a:extLst>
-              <a:ext uri="{FF2B5EF4-FFF2-40B4-BE49-F238E27FC236}">
-                <a16:creationId xmlns:a16="http://schemas.microsoft.com/office/drawing/2014/main" id="{0808151E-9EAA-4120-B37B-CC2ABC6C9AD0}"/>
-              </a:ext>
-            </a:extLst>
-          </p:cNvPr>
+          <p:cNvPr id="8" name="Footer Placeholder 7"/>
           <p:cNvSpPr>
             <a:spLocks noGrp="1"/>
           </p:cNvSpPr>
@@ -1855,13 +1647,7 @@
       </p:sp>
       <p:sp>
         <p:nvSpPr>
-          <p:cNvPr id="9" name="슬라이드 번호 개체 틀 8">
-            <a:extLst>
-              <a:ext uri="{FF2B5EF4-FFF2-40B4-BE49-F238E27FC236}">
-                <a16:creationId xmlns:a16="http://schemas.microsoft.com/office/drawing/2014/main" id="{183AE561-B9B0-4CF1-8940-B602ED10D7CD}"/>
-              </a:ext>
-            </a:extLst>
-          </p:cNvPr>
+          <p:cNvPr id="9" name="Slide Number Placeholder 8"/>
           <p:cNvSpPr>
             <a:spLocks noGrp="1"/>
           </p:cNvSpPr>
@@ -1885,7 +1671,7 @@
     </p:spTree>
     <p:extLst>
       <p:ext uri="{BB962C8B-B14F-4D97-AF65-F5344CB8AC3E}">
-        <p14:creationId xmlns:p14="http://schemas.microsoft.com/office/powerpoint/2010/main" val="2255414261"/>
+        <p14:creationId xmlns:p14="http://schemas.microsoft.com/office/powerpoint/2010/main" val="1937644749"/>
       </p:ext>
     </p:extLst>
   </p:cSld>
@@ -1914,13 +1700,7 @@
       </p:grpSpPr>
       <p:sp>
         <p:nvSpPr>
-          <p:cNvPr id="2" name="제목 1">
-            <a:extLst>
-              <a:ext uri="{FF2B5EF4-FFF2-40B4-BE49-F238E27FC236}">
-                <a16:creationId xmlns:a16="http://schemas.microsoft.com/office/drawing/2014/main" id="{3F8480F7-5634-461C-89B6-31F6DB2B6F28}"/>
-              </a:ext>
-            </a:extLst>
-          </p:cNvPr>
+          <p:cNvPr id="2" name="Title 1"/>
           <p:cNvSpPr>
             <a:spLocks noGrp="1"/>
           </p:cNvSpPr>
@@ -1937,18 +1717,13 @@
               <a:rPr lang="ko-KR" altLang="en-US"/>
               <a:t>마스터 제목 스타일 편집</a:t>
             </a:r>
-          </a:p>
-        </p:txBody>
-      </p:sp>
-      <p:sp>
-        <p:nvSpPr>
-          <p:cNvPr id="3" name="날짜 개체 틀 2">
-            <a:extLst>
-              <a:ext uri="{FF2B5EF4-FFF2-40B4-BE49-F238E27FC236}">
-                <a16:creationId xmlns:a16="http://schemas.microsoft.com/office/drawing/2014/main" id="{1C808F01-5DDD-42CF-B041-60E46EF74975}"/>
-              </a:ext>
-            </a:extLst>
-          </p:cNvPr>
+            <a:endParaRPr lang="en-US" dirty="0"/>
+          </a:p>
+        </p:txBody>
+      </p:sp>
+      <p:sp>
+        <p:nvSpPr>
+          <p:cNvPr id="3" name="Date Placeholder 2"/>
           <p:cNvSpPr>
             <a:spLocks noGrp="1"/>
           </p:cNvSpPr>
@@ -1971,13 +1746,7 @@
       </p:sp>
       <p:sp>
         <p:nvSpPr>
-          <p:cNvPr id="4" name="바닥글 개체 틀 3">
-            <a:extLst>
-              <a:ext uri="{FF2B5EF4-FFF2-40B4-BE49-F238E27FC236}">
-                <a16:creationId xmlns:a16="http://schemas.microsoft.com/office/drawing/2014/main" id="{BA20A7D3-722D-4B3D-9AF4-758098CAE8BE}"/>
-              </a:ext>
-            </a:extLst>
-          </p:cNvPr>
+          <p:cNvPr id="4" name="Footer Placeholder 3"/>
           <p:cNvSpPr>
             <a:spLocks noGrp="1"/>
           </p:cNvSpPr>
@@ -1996,13 +1765,7 @@
       </p:sp>
       <p:sp>
         <p:nvSpPr>
-          <p:cNvPr id="5" name="슬라이드 번호 개체 틀 4">
-            <a:extLst>
-              <a:ext uri="{FF2B5EF4-FFF2-40B4-BE49-F238E27FC236}">
-                <a16:creationId xmlns:a16="http://schemas.microsoft.com/office/drawing/2014/main" id="{76C8100B-B6A4-472A-9037-023E47B1B5DE}"/>
-              </a:ext>
-            </a:extLst>
-          </p:cNvPr>
+          <p:cNvPr id="5" name="Slide Number Placeholder 4"/>
           <p:cNvSpPr>
             <a:spLocks noGrp="1"/>
           </p:cNvSpPr>
@@ -2026,7 +1789,7 @@
     </p:spTree>
     <p:extLst>
       <p:ext uri="{BB962C8B-B14F-4D97-AF65-F5344CB8AC3E}">
-        <p14:creationId xmlns:p14="http://schemas.microsoft.com/office/powerpoint/2010/main" val="2211415643"/>
+        <p14:creationId xmlns:p14="http://schemas.microsoft.com/office/powerpoint/2010/main" val="1372130227"/>
       </p:ext>
     </p:extLst>
   </p:cSld>
@@ -2055,13 +1818,7 @@
       </p:grpSpPr>
       <p:sp>
         <p:nvSpPr>
-          <p:cNvPr id="2" name="날짜 개체 틀 1">
-            <a:extLst>
-              <a:ext uri="{FF2B5EF4-FFF2-40B4-BE49-F238E27FC236}">
-                <a16:creationId xmlns:a16="http://schemas.microsoft.com/office/drawing/2014/main" id="{0891F324-F3CF-45C9-B4BB-5A1BE7BC26BC}"/>
-              </a:ext>
-            </a:extLst>
-          </p:cNvPr>
+          <p:cNvPr id="2" name="Date Placeholder 1"/>
           <p:cNvSpPr>
             <a:spLocks noGrp="1"/>
           </p:cNvSpPr>
@@ -2084,13 +1841,7 @@
       </p:sp>
       <p:sp>
         <p:nvSpPr>
-          <p:cNvPr id="3" name="바닥글 개체 틀 2">
-            <a:extLst>
-              <a:ext uri="{FF2B5EF4-FFF2-40B4-BE49-F238E27FC236}">
-                <a16:creationId xmlns:a16="http://schemas.microsoft.com/office/drawing/2014/main" id="{73024832-1F40-409B-9087-AAE6089F0593}"/>
-              </a:ext>
-            </a:extLst>
-          </p:cNvPr>
+          <p:cNvPr id="3" name="Footer Placeholder 2"/>
           <p:cNvSpPr>
             <a:spLocks noGrp="1"/>
           </p:cNvSpPr>
@@ -2109,13 +1860,7 @@
       </p:sp>
       <p:sp>
         <p:nvSpPr>
-          <p:cNvPr id="4" name="슬라이드 번호 개체 틀 3">
-            <a:extLst>
-              <a:ext uri="{FF2B5EF4-FFF2-40B4-BE49-F238E27FC236}">
-                <a16:creationId xmlns:a16="http://schemas.microsoft.com/office/drawing/2014/main" id="{0C18C051-E8BB-458D-9FD0-811BB54E02B6}"/>
-              </a:ext>
-            </a:extLst>
-          </p:cNvPr>
+          <p:cNvPr id="4" name="Slide Number Placeholder 3"/>
           <p:cNvSpPr>
             <a:spLocks noGrp="1"/>
           </p:cNvSpPr>
@@ -2139,7 +1884,7 @@
     </p:spTree>
     <p:extLst>
       <p:ext uri="{BB962C8B-B14F-4D97-AF65-F5344CB8AC3E}">
-        <p14:creationId xmlns:p14="http://schemas.microsoft.com/office/powerpoint/2010/main" val="3080979576"/>
+        <p14:creationId xmlns:p14="http://schemas.microsoft.com/office/powerpoint/2010/main" val="495424217"/>
       </p:ext>
     </p:extLst>
   </p:cSld>
@@ -2168,13 +1913,7 @@
       </p:grpSpPr>
       <p:sp>
         <p:nvSpPr>
-          <p:cNvPr id="2" name="제목 1">
-            <a:extLst>
-              <a:ext uri="{FF2B5EF4-FFF2-40B4-BE49-F238E27FC236}">
-                <a16:creationId xmlns:a16="http://schemas.microsoft.com/office/drawing/2014/main" id="{E7E0898A-330F-46B3-A7AB-A305831D9026}"/>
-              </a:ext>
-            </a:extLst>
-          </p:cNvPr>
+          <p:cNvPr id="2" name="Title 1"/>
           <p:cNvSpPr>
             <a:spLocks noGrp="1"/>
           </p:cNvSpPr>
@@ -2184,15 +1923,15 @@
         </p:nvSpPr>
         <p:spPr>
           <a:xfrm>
-            <a:off x="839788" y="457200"/>
-            <a:ext cx="3932237" cy="1600200"/>
+            <a:off x="472381" y="660400"/>
+            <a:ext cx="2211884" cy="2311400"/>
           </a:xfrm>
         </p:spPr>
         <p:txBody>
           <a:bodyPr anchor="b"/>
           <a:lstStyle>
             <a:lvl1pPr>
-              <a:defRPr sz="3200"/>
+              <a:defRPr sz="2400"/>
             </a:lvl1pPr>
           </a:lstStyle>
           <a:p>
@@ -2200,18 +1939,13 @@
               <a:rPr lang="ko-KR" altLang="en-US"/>
               <a:t>마스터 제목 스타일 편집</a:t>
             </a:r>
-          </a:p>
-        </p:txBody>
-      </p:sp>
-      <p:sp>
-        <p:nvSpPr>
-          <p:cNvPr id="3" name="내용 개체 틀 2">
-            <a:extLst>
-              <a:ext uri="{FF2B5EF4-FFF2-40B4-BE49-F238E27FC236}">
-                <a16:creationId xmlns:a16="http://schemas.microsoft.com/office/drawing/2014/main" id="{ED5A10DC-F397-4188-81D8-A1123EB12878}"/>
-              </a:ext>
-            </a:extLst>
-          </p:cNvPr>
+            <a:endParaRPr lang="en-US" dirty="0"/>
+          </a:p>
+        </p:txBody>
+      </p:sp>
+      <p:sp>
+        <p:nvSpPr>
+          <p:cNvPr id="3" name="Content Placeholder 2"/>
           <p:cNvSpPr>
             <a:spLocks noGrp="1"/>
           </p:cNvSpPr>
@@ -2221,39 +1955,39 @@
         </p:nvSpPr>
         <p:spPr>
           <a:xfrm>
-            <a:off x="5183188" y="987425"/>
-            <a:ext cx="6172200" cy="4873625"/>
+            <a:off x="2915543" y="1426283"/>
+            <a:ext cx="3471863" cy="7039681"/>
           </a:xfrm>
         </p:spPr>
         <p:txBody>
           <a:bodyPr/>
           <a:lstStyle>
             <a:lvl1pPr>
-              <a:defRPr sz="3200"/>
+              <a:defRPr sz="2400"/>
             </a:lvl1pPr>
             <a:lvl2pPr>
-              <a:defRPr sz="2800"/>
+              <a:defRPr sz="2100"/>
             </a:lvl2pPr>
             <a:lvl3pPr>
-              <a:defRPr sz="2400"/>
+              <a:defRPr sz="1800"/>
             </a:lvl3pPr>
             <a:lvl4pPr>
-              <a:defRPr sz="2000"/>
+              <a:defRPr sz="1500"/>
             </a:lvl4pPr>
             <a:lvl5pPr>
-              <a:defRPr sz="2000"/>
+              <a:defRPr sz="1500"/>
             </a:lvl5pPr>
             <a:lvl6pPr>
-              <a:defRPr sz="2000"/>
+              <a:defRPr sz="1500"/>
             </a:lvl6pPr>
             <a:lvl7pPr>
-              <a:defRPr sz="2000"/>
+              <a:defRPr sz="1500"/>
             </a:lvl7pPr>
             <a:lvl8pPr>
-              <a:defRPr sz="2000"/>
+              <a:defRPr sz="1500"/>
             </a:lvl8pPr>
             <a:lvl9pPr>
-              <a:defRPr sz="2000"/>
+              <a:defRPr sz="1500"/>
             </a:lvl9pPr>
           </a:lstStyle>
           <a:p>
@@ -2290,18 +2024,13 @@
               <a:rPr lang="ko-KR" altLang="en-US"/>
               <a:t>다섯 번째 수준</a:t>
             </a:r>
-          </a:p>
-        </p:txBody>
-      </p:sp>
-      <p:sp>
-        <p:nvSpPr>
-          <p:cNvPr id="4" name="텍스트 개체 틀 3">
-            <a:extLst>
-              <a:ext uri="{FF2B5EF4-FFF2-40B4-BE49-F238E27FC236}">
-                <a16:creationId xmlns:a16="http://schemas.microsoft.com/office/drawing/2014/main" id="{7FD0390F-F834-4DE1-8DCB-0530B86D2E74}"/>
-              </a:ext>
-            </a:extLst>
-          </p:cNvPr>
+            <a:endParaRPr lang="en-US" dirty="0"/>
+          </a:p>
+        </p:txBody>
+      </p:sp>
+      <p:sp>
+        <p:nvSpPr>
+          <p:cNvPr id="4" name="Text Placeholder 3"/>
           <p:cNvSpPr>
             <a:spLocks noGrp="1"/>
           </p:cNvSpPr>
@@ -2311,8 +2040,8 @@
         </p:nvSpPr>
         <p:spPr>
           <a:xfrm>
-            <a:off x="839788" y="2057400"/>
-            <a:ext cx="3932237" cy="3811588"/>
+            <a:off x="472381" y="2971800"/>
+            <a:ext cx="2211884" cy="5505627"/>
           </a:xfrm>
         </p:spPr>
         <p:txBody>
@@ -2320,39 +2049,39 @@
           <a:lstStyle>
             <a:lvl1pPr marL="0" indent="0">
               <a:buNone/>
-              <a:defRPr sz="1600"/>
+              <a:defRPr sz="1200"/>
             </a:lvl1pPr>
-            <a:lvl2pPr marL="457200" indent="0">
-              <a:buNone/>
-              <a:defRPr sz="1400"/>
+            <a:lvl2pPr marL="342900" indent="0">
+              <a:buNone/>
+              <a:defRPr sz="1050"/>
             </a:lvl2pPr>
-            <a:lvl3pPr marL="914400" indent="0">
-              <a:buNone/>
-              <a:defRPr sz="1200"/>
+            <a:lvl3pPr marL="685800" indent="0">
+              <a:buNone/>
+              <a:defRPr sz="900"/>
             </a:lvl3pPr>
-            <a:lvl4pPr marL="1371600" indent="0">
-              <a:buNone/>
-              <a:defRPr sz="1000"/>
+            <a:lvl4pPr marL="1028700" indent="0">
+              <a:buNone/>
+              <a:defRPr sz="750"/>
             </a:lvl4pPr>
-            <a:lvl5pPr marL="1828800" indent="0">
-              <a:buNone/>
-              <a:defRPr sz="1000"/>
+            <a:lvl5pPr marL="1371600" indent="0">
+              <a:buNone/>
+              <a:defRPr sz="750"/>
             </a:lvl5pPr>
-            <a:lvl6pPr marL="2286000" indent="0">
-              <a:buNone/>
-              <a:defRPr sz="1000"/>
+            <a:lvl6pPr marL="1714500" indent="0">
+              <a:buNone/>
+              <a:defRPr sz="750"/>
             </a:lvl6pPr>
-            <a:lvl7pPr marL="2743200" indent="0">
-              <a:buNone/>
-              <a:defRPr sz="1000"/>
+            <a:lvl7pPr marL="2057400" indent="0">
+              <a:buNone/>
+              <a:defRPr sz="750"/>
             </a:lvl7pPr>
-            <a:lvl8pPr marL="3200400" indent="0">
-              <a:buNone/>
-              <a:defRPr sz="1000"/>
+            <a:lvl8pPr marL="2400300" indent="0">
+              <a:buNone/>
+              <a:defRPr sz="750"/>
             </a:lvl8pPr>
-            <a:lvl9pPr marL="3657600" indent="0">
-              <a:buNone/>
-              <a:defRPr sz="1000"/>
+            <a:lvl9pPr marL="2743200" indent="0">
+              <a:buNone/>
+              <a:defRPr sz="750"/>
             </a:lvl9pPr>
           </a:lstStyle>
           <a:p>
@@ -2366,13 +2095,7 @@
       </p:sp>
       <p:sp>
         <p:nvSpPr>
-          <p:cNvPr id="5" name="날짜 개체 틀 4">
-            <a:extLst>
-              <a:ext uri="{FF2B5EF4-FFF2-40B4-BE49-F238E27FC236}">
-                <a16:creationId xmlns:a16="http://schemas.microsoft.com/office/drawing/2014/main" id="{58249B25-E529-46AF-B4F9-899D85C28872}"/>
-              </a:ext>
-            </a:extLst>
-          </p:cNvPr>
+          <p:cNvPr id="5" name="Date Placeholder 4"/>
           <p:cNvSpPr>
             <a:spLocks noGrp="1"/>
           </p:cNvSpPr>
@@ -2395,13 +2118,7 @@
       </p:sp>
       <p:sp>
         <p:nvSpPr>
-          <p:cNvPr id="6" name="바닥글 개체 틀 5">
-            <a:extLst>
-              <a:ext uri="{FF2B5EF4-FFF2-40B4-BE49-F238E27FC236}">
-                <a16:creationId xmlns:a16="http://schemas.microsoft.com/office/drawing/2014/main" id="{FE7F3257-DDCD-41DD-B148-191B14B51D2A}"/>
-              </a:ext>
-            </a:extLst>
-          </p:cNvPr>
+          <p:cNvPr id="6" name="Footer Placeholder 5"/>
           <p:cNvSpPr>
             <a:spLocks noGrp="1"/>
           </p:cNvSpPr>
@@ -2420,13 +2137,7 @@
       </p:sp>
       <p:sp>
         <p:nvSpPr>
-          <p:cNvPr id="7" name="슬라이드 번호 개체 틀 6">
-            <a:extLst>
-              <a:ext uri="{FF2B5EF4-FFF2-40B4-BE49-F238E27FC236}">
-                <a16:creationId xmlns:a16="http://schemas.microsoft.com/office/drawing/2014/main" id="{6B64D2AE-170B-4191-98D4-68B87292C29D}"/>
-              </a:ext>
-            </a:extLst>
-          </p:cNvPr>
+          <p:cNvPr id="7" name="Slide Number Placeholder 6"/>
           <p:cNvSpPr>
             <a:spLocks noGrp="1"/>
           </p:cNvSpPr>
@@ -2450,7 +2161,7 @@
     </p:spTree>
     <p:extLst>
       <p:ext uri="{BB962C8B-B14F-4D97-AF65-F5344CB8AC3E}">
-        <p14:creationId xmlns:p14="http://schemas.microsoft.com/office/powerpoint/2010/main" val="2014122471"/>
+        <p14:creationId xmlns:p14="http://schemas.microsoft.com/office/powerpoint/2010/main" val="3459765285"/>
       </p:ext>
     </p:extLst>
   </p:cSld>
@@ -2479,13 +2190,7 @@
       </p:grpSpPr>
       <p:sp>
         <p:nvSpPr>
-          <p:cNvPr id="2" name="제목 1">
-            <a:extLst>
-              <a:ext uri="{FF2B5EF4-FFF2-40B4-BE49-F238E27FC236}">
-                <a16:creationId xmlns:a16="http://schemas.microsoft.com/office/drawing/2014/main" id="{4B5BC96B-A3F4-4C48-8FEF-7F07CF6D37BE}"/>
-              </a:ext>
-            </a:extLst>
-          </p:cNvPr>
+          <p:cNvPr id="2" name="Title 1"/>
           <p:cNvSpPr>
             <a:spLocks noGrp="1"/>
           </p:cNvSpPr>
@@ -2495,15 +2200,15 @@
         </p:nvSpPr>
         <p:spPr>
           <a:xfrm>
-            <a:off x="839788" y="457200"/>
-            <a:ext cx="3932237" cy="1600200"/>
+            <a:off x="472381" y="660400"/>
+            <a:ext cx="2211884" cy="2311400"/>
           </a:xfrm>
         </p:spPr>
         <p:txBody>
           <a:bodyPr anchor="b"/>
           <a:lstStyle>
             <a:lvl1pPr>
-              <a:defRPr sz="3200"/>
+              <a:defRPr sz="2400"/>
             </a:lvl1pPr>
           </a:lstStyle>
           <a:p>
@@ -2511,20 +2216,15 @@
               <a:rPr lang="ko-KR" altLang="en-US"/>
               <a:t>마스터 제목 스타일 편집</a:t>
             </a:r>
-          </a:p>
-        </p:txBody>
-      </p:sp>
-      <p:sp>
-        <p:nvSpPr>
-          <p:cNvPr id="3" name="그림 개체 틀 2">
-            <a:extLst>
-              <a:ext uri="{FF2B5EF4-FFF2-40B4-BE49-F238E27FC236}">
-                <a16:creationId xmlns:a16="http://schemas.microsoft.com/office/drawing/2014/main" id="{6EC860EA-C6A0-4DA3-B609-37FBB308EAE2}"/>
-              </a:ext>
-            </a:extLst>
-          </p:cNvPr>
-          <p:cNvSpPr>
-            <a:spLocks noGrp="1"/>
+            <a:endParaRPr lang="en-US" dirty="0"/>
+          </a:p>
+        </p:txBody>
+      </p:sp>
+      <p:sp>
+        <p:nvSpPr>
+          <p:cNvPr id="3" name="Picture Placeholder 2"/>
+          <p:cNvSpPr>
+            <a:spLocks noGrp="1" noChangeAspect="1"/>
           </p:cNvSpPr>
           <p:nvPr>
             <p:ph type="pic" idx="1"/>
@@ -2532,8 +2232,73 @@
         </p:nvSpPr>
         <p:spPr>
           <a:xfrm>
-            <a:off x="5183188" y="987425"/>
-            <a:ext cx="6172200" cy="4873625"/>
+            <a:off x="2915543" y="1426283"/>
+            <a:ext cx="3471863" cy="7039681"/>
+          </a:xfrm>
+        </p:spPr>
+        <p:txBody>
+          <a:bodyPr anchor="t"/>
+          <a:lstStyle>
+            <a:lvl1pPr marL="0" indent="0">
+              <a:buNone/>
+              <a:defRPr sz="2400"/>
+            </a:lvl1pPr>
+            <a:lvl2pPr marL="342900" indent="0">
+              <a:buNone/>
+              <a:defRPr sz="2100"/>
+            </a:lvl2pPr>
+            <a:lvl3pPr marL="685800" indent="0">
+              <a:buNone/>
+              <a:defRPr sz="1800"/>
+            </a:lvl3pPr>
+            <a:lvl4pPr marL="1028700" indent="0">
+              <a:buNone/>
+              <a:defRPr sz="1500"/>
+            </a:lvl4pPr>
+            <a:lvl5pPr marL="1371600" indent="0">
+              <a:buNone/>
+              <a:defRPr sz="1500"/>
+            </a:lvl5pPr>
+            <a:lvl6pPr marL="1714500" indent="0">
+              <a:buNone/>
+              <a:defRPr sz="1500"/>
+            </a:lvl6pPr>
+            <a:lvl7pPr marL="2057400" indent="0">
+              <a:buNone/>
+              <a:defRPr sz="1500"/>
+            </a:lvl7pPr>
+            <a:lvl8pPr marL="2400300" indent="0">
+              <a:buNone/>
+              <a:defRPr sz="1500"/>
+            </a:lvl8pPr>
+            <a:lvl9pPr marL="2743200" indent="0">
+              <a:buNone/>
+              <a:defRPr sz="1500"/>
+            </a:lvl9pPr>
+          </a:lstStyle>
+          <a:p>
+            <a:r>
+              <a:rPr lang="ko-KR" altLang="en-US"/>
+              <a:t>그림을 추가하려면 아이콘을 클릭하십시오</a:t>
+            </a:r>
+            <a:endParaRPr lang="en-US" dirty="0"/>
+          </a:p>
+        </p:txBody>
+      </p:sp>
+      <p:sp>
+        <p:nvSpPr>
+          <p:cNvPr id="4" name="Text Placeholder 3"/>
+          <p:cNvSpPr>
+            <a:spLocks noGrp="1"/>
+          </p:cNvSpPr>
+          <p:nvPr>
+            <p:ph type="body" sz="half" idx="2"/>
+          </p:nvPr>
+        </p:nvSpPr>
+        <p:spPr>
+          <a:xfrm>
+            <a:off x="472381" y="2971800"/>
+            <a:ext cx="2211884" cy="5505627"/>
           </a:xfrm>
         </p:spPr>
         <p:txBody>
@@ -2541,109 +2306,42 @@
           <a:lstStyle>
             <a:lvl1pPr marL="0" indent="0">
               <a:buNone/>
-              <a:defRPr sz="3200"/>
+              <a:defRPr sz="1200"/>
             </a:lvl1pPr>
-            <a:lvl2pPr marL="457200" indent="0">
-              <a:buNone/>
-              <a:defRPr sz="2800"/>
+            <a:lvl2pPr marL="342900" indent="0">
+              <a:buNone/>
+              <a:defRPr sz="1050"/>
             </a:lvl2pPr>
-            <a:lvl3pPr marL="914400" indent="0">
-              <a:buNone/>
-              <a:defRPr sz="2400"/>
+            <a:lvl3pPr marL="685800" indent="0">
+              <a:buNone/>
+              <a:defRPr sz="900"/>
             </a:lvl3pPr>
-            <a:lvl4pPr marL="1371600" indent="0">
-              <a:buNone/>
-              <a:defRPr sz="2000"/>
+            <a:lvl4pPr marL="1028700" indent="0">
+              <a:buNone/>
+              <a:defRPr sz="750"/>
             </a:lvl4pPr>
-            <a:lvl5pPr marL="1828800" indent="0">
-              <a:buNone/>
-              <a:defRPr sz="2000"/>
+            <a:lvl5pPr marL="1371600" indent="0">
+              <a:buNone/>
+              <a:defRPr sz="750"/>
             </a:lvl5pPr>
-            <a:lvl6pPr marL="2286000" indent="0">
-              <a:buNone/>
-              <a:defRPr sz="2000"/>
+            <a:lvl6pPr marL="1714500" indent="0">
+              <a:buNone/>
+              <a:defRPr sz="750"/>
             </a:lvl6pPr>
-            <a:lvl7pPr marL="2743200" indent="0">
-              <a:buNone/>
-              <a:defRPr sz="2000"/>
+            <a:lvl7pPr marL="2057400" indent="0">
+              <a:buNone/>
+              <a:defRPr sz="750"/>
             </a:lvl7pPr>
-            <a:lvl8pPr marL="3200400" indent="0">
-              <a:buNone/>
-              <a:defRPr sz="2000"/>
+            <a:lvl8pPr marL="2400300" indent="0">
+              <a:buNone/>
+              <a:defRPr sz="750"/>
             </a:lvl8pPr>
-            <a:lvl9pPr marL="3657600" indent="0">
-              <a:buNone/>
-              <a:defRPr sz="2000"/>
+            <a:lvl9pPr marL="2743200" indent="0">
+              <a:buNone/>
+              <a:defRPr sz="750"/>
             </a:lvl9pPr>
           </a:lstStyle>
           <a:p>
-            <a:endParaRPr lang="ko-KR" altLang="en-US"/>
-          </a:p>
-        </p:txBody>
-      </p:sp>
-      <p:sp>
-        <p:nvSpPr>
-          <p:cNvPr id="4" name="텍스트 개체 틀 3">
-            <a:extLst>
-              <a:ext uri="{FF2B5EF4-FFF2-40B4-BE49-F238E27FC236}">
-                <a16:creationId xmlns:a16="http://schemas.microsoft.com/office/drawing/2014/main" id="{4D52EF1E-E190-468A-B9F3-380D5FA5C54F}"/>
-              </a:ext>
-            </a:extLst>
-          </p:cNvPr>
-          <p:cNvSpPr>
-            <a:spLocks noGrp="1"/>
-          </p:cNvSpPr>
-          <p:nvPr>
-            <p:ph type="body" sz="half" idx="2"/>
-          </p:nvPr>
-        </p:nvSpPr>
-        <p:spPr>
-          <a:xfrm>
-            <a:off x="839788" y="2057400"/>
-            <a:ext cx="3932237" cy="3811588"/>
-          </a:xfrm>
-        </p:spPr>
-        <p:txBody>
-          <a:bodyPr/>
-          <a:lstStyle>
-            <a:lvl1pPr marL="0" indent="0">
-              <a:buNone/>
-              <a:defRPr sz="1600"/>
-            </a:lvl1pPr>
-            <a:lvl2pPr marL="457200" indent="0">
-              <a:buNone/>
-              <a:defRPr sz="1400"/>
-            </a:lvl2pPr>
-            <a:lvl3pPr marL="914400" indent="0">
-              <a:buNone/>
-              <a:defRPr sz="1200"/>
-            </a:lvl3pPr>
-            <a:lvl4pPr marL="1371600" indent="0">
-              <a:buNone/>
-              <a:defRPr sz="1000"/>
-            </a:lvl4pPr>
-            <a:lvl5pPr marL="1828800" indent="0">
-              <a:buNone/>
-              <a:defRPr sz="1000"/>
-            </a:lvl5pPr>
-            <a:lvl6pPr marL="2286000" indent="0">
-              <a:buNone/>
-              <a:defRPr sz="1000"/>
-            </a:lvl6pPr>
-            <a:lvl7pPr marL="2743200" indent="0">
-              <a:buNone/>
-              <a:defRPr sz="1000"/>
-            </a:lvl7pPr>
-            <a:lvl8pPr marL="3200400" indent="0">
-              <a:buNone/>
-              <a:defRPr sz="1000"/>
-            </a:lvl8pPr>
-            <a:lvl9pPr marL="3657600" indent="0">
-              <a:buNone/>
-              <a:defRPr sz="1000"/>
-            </a:lvl9pPr>
-          </a:lstStyle>
-          <a:p>
             <a:pPr lvl="0"/>
             <a:r>
               <a:rPr lang="ko-KR" altLang="en-US"/>
@@ -2654,13 +2352,7 @@
       </p:sp>
       <p:sp>
         <p:nvSpPr>
-          <p:cNvPr id="5" name="날짜 개체 틀 4">
-            <a:extLst>
-              <a:ext uri="{FF2B5EF4-FFF2-40B4-BE49-F238E27FC236}">
-                <a16:creationId xmlns:a16="http://schemas.microsoft.com/office/drawing/2014/main" id="{85AA240F-20D1-4381-B1BF-CA5FF18D2097}"/>
-              </a:ext>
-            </a:extLst>
-          </p:cNvPr>
+          <p:cNvPr id="5" name="Date Placeholder 4"/>
           <p:cNvSpPr>
             <a:spLocks noGrp="1"/>
           </p:cNvSpPr>
@@ -2683,13 +2375,7 @@
       </p:sp>
       <p:sp>
         <p:nvSpPr>
-          <p:cNvPr id="6" name="바닥글 개체 틀 5">
-            <a:extLst>
-              <a:ext uri="{FF2B5EF4-FFF2-40B4-BE49-F238E27FC236}">
-                <a16:creationId xmlns:a16="http://schemas.microsoft.com/office/drawing/2014/main" id="{4492DD5B-9451-49B4-BAA8-77E7D9CAFD50}"/>
-              </a:ext>
-            </a:extLst>
-          </p:cNvPr>
+          <p:cNvPr id="6" name="Footer Placeholder 5"/>
           <p:cNvSpPr>
             <a:spLocks noGrp="1"/>
           </p:cNvSpPr>
@@ -2708,13 +2394,7 @@
       </p:sp>
       <p:sp>
         <p:nvSpPr>
-          <p:cNvPr id="7" name="슬라이드 번호 개체 틀 6">
-            <a:extLst>
-              <a:ext uri="{FF2B5EF4-FFF2-40B4-BE49-F238E27FC236}">
-                <a16:creationId xmlns:a16="http://schemas.microsoft.com/office/drawing/2014/main" id="{9C901EFD-2931-4E78-8CDE-C8C9961E8904}"/>
-              </a:ext>
-            </a:extLst>
-          </p:cNvPr>
+          <p:cNvPr id="7" name="Slide Number Placeholder 6"/>
           <p:cNvSpPr>
             <a:spLocks noGrp="1"/>
           </p:cNvSpPr>
@@ -2738,7 +2418,7 @@
     </p:spTree>
     <p:extLst>
       <p:ext uri="{BB962C8B-B14F-4D97-AF65-F5344CB8AC3E}">
-        <p14:creationId xmlns:p14="http://schemas.microsoft.com/office/powerpoint/2010/main" val="1439687871"/>
+        <p14:creationId xmlns:p14="http://schemas.microsoft.com/office/powerpoint/2010/main" val="3998316113"/>
       </p:ext>
     </p:extLst>
   </p:cSld>
@@ -2772,13 +2452,7 @@
       </p:grpSpPr>
       <p:sp>
         <p:nvSpPr>
-          <p:cNvPr id="2" name="제목 개체 틀 1">
-            <a:extLst>
-              <a:ext uri="{FF2B5EF4-FFF2-40B4-BE49-F238E27FC236}">
-                <a16:creationId xmlns:a16="http://schemas.microsoft.com/office/drawing/2014/main" id="{5E879AF7-E1E8-4BB1-9ED8-548C3BB5A99C}"/>
-              </a:ext>
-            </a:extLst>
-          </p:cNvPr>
+          <p:cNvPr id="2" name="Title Placeholder 1"/>
           <p:cNvSpPr>
             <a:spLocks noGrp="1"/>
           </p:cNvSpPr>
@@ -2788,8 +2462,8 @@
         </p:nvSpPr>
         <p:spPr>
           <a:xfrm>
-            <a:off x="838200" y="365125"/>
-            <a:ext cx="10515600" cy="1325563"/>
+            <a:off x="471488" y="527405"/>
+            <a:ext cx="5915025" cy="1914702"/>
           </a:xfrm>
           <a:prstGeom prst="rect">
             <a:avLst/>
@@ -2805,18 +2479,13 @@
               <a:rPr lang="ko-KR" altLang="en-US"/>
               <a:t>마스터 제목 스타일 편집</a:t>
             </a:r>
-          </a:p>
-        </p:txBody>
-      </p:sp>
-      <p:sp>
-        <p:nvSpPr>
-          <p:cNvPr id="3" name="텍스트 개체 틀 2">
-            <a:extLst>
-              <a:ext uri="{FF2B5EF4-FFF2-40B4-BE49-F238E27FC236}">
-                <a16:creationId xmlns:a16="http://schemas.microsoft.com/office/drawing/2014/main" id="{E966823A-AB39-4C6B-BA1D-ECED45F7CA4F}"/>
-              </a:ext>
-            </a:extLst>
-          </p:cNvPr>
+            <a:endParaRPr lang="en-US" dirty="0"/>
+          </a:p>
+        </p:txBody>
+      </p:sp>
+      <p:sp>
+        <p:nvSpPr>
+          <p:cNvPr id="3" name="Text Placeholder 2"/>
           <p:cNvSpPr>
             <a:spLocks noGrp="1"/>
           </p:cNvSpPr>
@@ -2826,8 +2495,8 @@
         </p:nvSpPr>
         <p:spPr>
           <a:xfrm>
-            <a:off x="838200" y="1825625"/>
-            <a:ext cx="10515600" cy="4351338"/>
+            <a:off x="471488" y="2637014"/>
+            <a:ext cx="5915025" cy="6285266"/>
           </a:xfrm>
           <a:prstGeom prst="rect">
             <a:avLst/>
@@ -2872,18 +2541,13 @@
               <a:rPr lang="ko-KR" altLang="en-US"/>
               <a:t>다섯 번째 수준</a:t>
             </a:r>
-          </a:p>
-        </p:txBody>
-      </p:sp>
-      <p:sp>
-        <p:nvSpPr>
-          <p:cNvPr id="4" name="날짜 개체 틀 3">
-            <a:extLst>
-              <a:ext uri="{FF2B5EF4-FFF2-40B4-BE49-F238E27FC236}">
-                <a16:creationId xmlns:a16="http://schemas.microsoft.com/office/drawing/2014/main" id="{B1987B92-9B89-4F62-B8B0-27F85B248AD6}"/>
-              </a:ext>
-            </a:extLst>
-          </p:cNvPr>
+            <a:endParaRPr lang="en-US" dirty="0"/>
+          </a:p>
+        </p:txBody>
+      </p:sp>
+      <p:sp>
+        <p:nvSpPr>
+          <p:cNvPr id="4" name="Date Placeholder 3"/>
           <p:cNvSpPr>
             <a:spLocks noGrp="1"/>
           </p:cNvSpPr>
@@ -2893,8 +2557,8 @@
         </p:nvSpPr>
         <p:spPr>
           <a:xfrm>
-            <a:off x="838200" y="6356350"/>
-            <a:ext cx="2743200" cy="365125"/>
+            <a:off x="471488" y="9181397"/>
+            <a:ext cx="1543050" cy="527403"/>
           </a:xfrm>
           <a:prstGeom prst="rect">
             <a:avLst/>
@@ -2904,7 +2568,7 @@
           <a:bodyPr vert="horz" lIns="91440" tIns="45720" rIns="91440" bIns="45720" rtlCol="0" anchor="ctr"/>
           <a:lstStyle>
             <a:lvl1pPr algn="l">
-              <a:defRPr sz="1200">
+              <a:defRPr sz="900">
                 <a:solidFill>
                   <a:schemeClr val="tx1">
                     <a:tint val="75000"/>
@@ -2924,13 +2588,7 @@
       </p:sp>
       <p:sp>
         <p:nvSpPr>
-          <p:cNvPr id="5" name="바닥글 개체 틀 4">
-            <a:extLst>
-              <a:ext uri="{FF2B5EF4-FFF2-40B4-BE49-F238E27FC236}">
-                <a16:creationId xmlns:a16="http://schemas.microsoft.com/office/drawing/2014/main" id="{651EB1D3-FE2A-4088-ACD6-B79E7CCB32D2}"/>
-              </a:ext>
-            </a:extLst>
-          </p:cNvPr>
+          <p:cNvPr id="5" name="Footer Placeholder 4"/>
           <p:cNvSpPr>
             <a:spLocks noGrp="1"/>
           </p:cNvSpPr>
@@ -2940,8 +2598,8 @@
         </p:nvSpPr>
         <p:spPr>
           <a:xfrm>
-            <a:off x="4038600" y="6356350"/>
-            <a:ext cx="4114800" cy="365125"/>
+            <a:off x="2271713" y="9181397"/>
+            <a:ext cx="2314575" cy="527403"/>
           </a:xfrm>
           <a:prstGeom prst="rect">
             <a:avLst/>
@@ -2951,7 +2609,7 @@
           <a:bodyPr vert="horz" lIns="91440" tIns="45720" rIns="91440" bIns="45720" rtlCol="0" anchor="ctr"/>
           <a:lstStyle>
             <a:lvl1pPr algn="ctr">
-              <a:defRPr sz="1200">
+              <a:defRPr sz="900">
                 <a:solidFill>
                   <a:schemeClr val="tx1">
                     <a:tint val="75000"/>
@@ -2967,13 +2625,7 @@
       </p:sp>
       <p:sp>
         <p:nvSpPr>
-          <p:cNvPr id="6" name="슬라이드 번호 개체 틀 5">
-            <a:extLst>
-              <a:ext uri="{FF2B5EF4-FFF2-40B4-BE49-F238E27FC236}">
-                <a16:creationId xmlns:a16="http://schemas.microsoft.com/office/drawing/2014/main" id="{D623651C-66C9-4E91-A2CC-F700F336033B}"/>
-              </a:ext>
-            </a:extLst>
-          </p:cNvPr>
+          <p:cNvPr id="6" name="Slide Number Placeholder 5"/>
           <p:cNvSpPr>
             <a:spLocks noGrp="1"/>
           </p:cNvSpPr>
@@ -2983,8 +2635,8 @@
         </p:nvSpPr>
         <p:spPr>
           <a:xfrm>
-            <a:off x="8610600" y="6356350"/>
-            <a:ext cx="2743200" cy="365125"/>
+            <a:off x="4843463" y="9181397"/>
+            <a:ext cx="1543050" cy="527403"/>
           </a:xfrm>
           <a:prstGeom prst="rect">
             <a:avLst/>
@@ -2994,7 +2646,7 @@
           <a:bodyPr vert="horz" lIns="91440" tIns="45720" rIns="91440" bIns="45720" rtlCol="0" anchor="ctr"/>
           <a:lstStyle>
             <a:lvl1pPr algn="r">
-              <a:defRPr sz="1200">
+              <a:defRPr sz="900">
                 <a:solidFill>
                   <a:schemeClr val="tx1">
                     <a:tint val="75000"/>
@@ -3015,27 +2667,27 @@
     </p:spTree>
     <p:extLst>
       <p:ext uri="{BB962C8B-B14F-4D97-AF65-F5344CB8AC3E}">
-        <p14:creationId xmlns:p14="http://schemas.microsoft.com/office/powerpoint/2010/main" val="2307071279"/>
+        <p14:creationId xmlns:p14="http://schemas.microsoft.com/office/powerpoint/2010/main" val="912709744"/>
       </p:ext>
     </p:extLst>
   </p:cSld>
   <p:clrMap bg1="lt1" tx1="dk1" bg2="lt2" tx2="dk2" accent1="accent1" accent2="accent2" accent3="accent3" accent4="accent4" accent5="accent5" accent6="accent6" hlink="hlink" folHlink="folHlink"/>
   <p:sldLayoutIdLst>
-    <p:sldLayoutId id="2147483649" r:id="rId1"/>
-    <p:sldLayoutId id="2147483650" r:id="rId2"/>
-    <p:sldLayoutId id="2147483651" r:id="rId3"/>
-    <p:sldLayoutId id="2147483652" r:id="rId4"/>
-    <p:sldLayoutId id="2147483653" r:id="rId5"/>
-    <p:sldLayoutId id="2147483654" r:id="rId6"/>
-    <p:sldLayoutId id="2147483655" r:id="rId7"/>
-    <p:sldLayoutId id="2147483656" r:id="rId8"/>
-    <p:sldLayoutId id="2147483657" r:id="rId9"/>
-    <p:sldLayoutId id="2147483658" r:id="rId10"/>
-    <p:sldLayoutId id="2147483659" r:id="rId11"/>
+    <p:sldLayoutId id="2147483661" r:id="rId1"/>
+    <p:sldLayoutId id="2147483662" r:id="rId2"/>
+    <p:sldLayoutId id="2147483663" r:id="rId3"/>
+    <p:sldLayoutId id="2147483664" r:id="rId4"/>
+    <p:sldLayoutId id="2147483665" r:id="rId5"/>
+    <p:sldLayoutId id="2147483666" r:id="rId6"/>
+    <p:sldLayoutId id="2147483667" r:id="rId7"/>
+    <p:sldLayoutId id="2147483668" r:id="rId8"/>
+    <p:sldLayoutId id="2147483669" r:id="rId9"/>
+    <p:sldLayoutId id="2147483670" r:id="rId10"/>
+    <p:sldLayoutId id="2147483671" r:id="rId11"/>
   </p:sldLayoutIdLst>
   <p:txStyles>
     <p:titleStyle>
-      <a:lvl1pPr algn="l" defTabSz="914400" rtl="0" eaLnBrk="1" latinLnBrk="1" hangingPunct="1">
+      <a:lvl1pPr algn="l" defTabSz="685800" rtl="0" eaLnBrk="1" latinLnBrk="1" hangingPunct="1">
         <a:lnSpc>
           <a:spcPct val="90000"/>
         </a:lnSpc>
@@ -3043,7 +2695,7 @@
           <a:spcPct val="0"/>
         </a:spcBef>
         <a:buNone/>
-        <a:defRPr sz="4400" kern="1200">
+        <a:defRPr sz="3300" kern="1200">
           <a:solidFill>
             <a:schemeClr val="tx1"/>
           </a:solidFill>
@@ -3054,16 +2706,16 @@
       </a:lvl1pPr>
     </p:titleStyle>
     <p:bodyStyle>
-      <a:lvl1pPr marL="228600" indent="-228600" algn="l" defTabSz="914400" rtl="0" eaLnBrk="1" latinLnBrk="1" hangingPunct="1">
+      <a:lvl1pPr marL="171450" indent="-171450" algn="l" defTabSz="685800" rtl="0" eaLnBrk="1" latinLnBrk="1" hangingPunct="1">
         <a:lnSpc>
           <a:spcPct val="90000"/>
         </a:lnSpc>
         <a:spcBef>
-          <a:spcPts val="1000"/>
+          <a:spcPts val="750"/>
         </a:spcBef>
         <a:buFont typeface="Arial" panose="020B0604020202020204" pitchFamily="34" charset="0"/>
         <a:buChar char="•"/>
-        <a:defRPr sz="2800" kern="1200">
+        <a:defRPr sz="2100" kern="1200">
           <a:solidFill>
             <a:schemeClr val="tx1"/>
           </a:solidFill>
@@ -3072,48 +2724,12 @@
           <a:cs typeface="+mn-cs"/>
         </a:defRPr>
       </a:lvl1pPr>
-      <a:lvl2pPr marL="685800" indent="-228600" algn="l" defTabSz="914400" rtl="0" eaLnBrk="1" latinLnBrk="1" hangingPunct="1">
+      <a:lvl2pPr marL="514350" indent="-171450" algn="l" defTabSz="685800" rtl="0" eaLnBrk="1" latinLnBrk="1" hangingPunct="1">
         <a:lnSpc>
           <a:spcPct val="90000"/>
         </a:lnSpc>
         <a:spcBef>
-          <a:spcPts val="500"/>
-        </a:spcBef>
-        <a:buFont typeface="Arial" panose="020B0604020202020204" pitchFamily="34" charset="0"/>
-        <a:buChar char="•"/>
-        <a:defRPr sz="2400" kern="1200">
-          <a:solidFill>
-            <a:schemeClr val="tx1"/>
-          </a:solidFill>
-          <a:latin typeface="+mn-lt"/>
-          <a:ea typeface="+mn-ea"/>
-          <a:cs typeface="+mn-cs"/>
-        </a:defRPr>
-      </a:lvl2pPr>
-      <a:lvl3pPr marL="1143000" indent="-228600" algn="l" defTabSz="914400" rtl="0" eaLnBrk="1" latinLnBrk="1" hangingPunct="1">
-        <a:lnSpc>
-          <a:spcPct val="90000"/>
-        </a:lnSpc>
-        <a:spcBef>
-          <a:spcPts val="500"/>
-        </a:spcBef>
-        <a:buFont typeface="Arial" panose="020B0604020202020204" pitchFamily="34" charset="0"/>
-        <a:buChar char="•"/>
-        <a:defRPr sz="2000" kern="1200">
-          <a:solidFill>
-            <a:schemeClr val="tx1"/>
-          </a:solidFill>
-          <a:latin typeface="+mn-lt"/>
-          <a:ea typeface="+mn-ea"/>
-          <a:cs typeface="+mn-cs"/>
-        </a:defRPr>
-      </a:lvl3pPr>
-      <a:lvl4pPr marL="1600200" indent="-228600" algn="l" defTabSz="914400" rtl="0" eaLnBrk="1" latinLnBrk="1" hangingPunct="1">
-        <a:lnSpc>
-          <a:spcPct val="90000"/>
-        </a:lnSpc>
-        <a:spcBef>
-          <a:spcPts val="500"/>
+          <a:spcPts val="375"/>
         </a:spcBef>
         <a:buFont typeface="Arial" panose="020B0604020202020204" pitchFamily="34" charset="0"/>
         <a:buChar char="•"/>
@@ -3125,17 +2741,53 @@
           <a:ea typeface="+mn-ea"/>
           <a:cs typeface="+mn-cs"/>
         </a:defRPr>
-      </a:lvl4pPr>
-      <a:lvl5pPr marL="2057400" indent="-228600" algn="l" defTabSz="914400" rtl="0" eaLnBrk="1" latinLnBrk="1" hangingPunct="1">
+      </a:lvl2pPr>
+      <a:lvl3pPr marL="857250" indent="-171450" algn="l" defTabSz="685800" rtl="0" eaLnBrk="1" latinLnBrk="1" hangingPunct="1">
         <a:lnSpc>
           <a:spcPct val="90000"/>
         </a:lnSpc>
         <a:spcBef>
-          <a:spcPts val="500"/>
+          <a:spcPts val="375"/>
         </a:spcBef>
         <a:buFont typeface="Arial" panose="020B0604020202020204" pitchFamily="34" charset="0"/>
         <a:buChar char="•"/>
-        <a:defRPr sz="1800" kern="1200">
+        <a:defRPr sz="1500" kern="1200">
+          <a:solidFill>
+            <a:schemeClr val="tx1"/>
+          </a:solidFill>
+          <a:latin typeface="+mn-lt"/>
+          <a:ea typeface="+mn-ea"/>
+          <a:cs typeface="+mn-cs"/>
+        </a:defRPr>
+      </a:lvl3pPr>
+      <a:lvl4pPr marL="1200150" indent="-171450" algn="l" defTabSz="685800" rtl="0" eaLnBrk="1" latinLnBrk="1" hangingPunct="1">
+        <a:lnSpc>
+          <a:spcPct val="90000"/>
+        </a:lnSpc>
+        <a:spcBef>
+          <a:spcPts val="375"/>
+        </a:spcBef>
+        <a:buFont typeface="Arial" panose="020B0604020202020204" pitchFamily="34" charset="0"/>
+        <a:buChar char="•"/>
+        <a:defRPr sz="1350" kern="1200">
+          <a:solidFill>
+            <a:schemeClr val="tx1"/>
+          </a:solidFill>
+          <a:latin typeface="+mn-lt"/>
+          <a:ea typeface="+mn-ea"/>
+          <a:cs typeface="+mn-cs"/>
+        </a:defRPr>
+      </a:lvl4pPr>
+      <a:lvl5pPr marL="1543050" indent="-171450" algn="l" defTabSz="685800" rtl="0" eaLnBrk="1" latinLnBrk="1" hangingPunct="1">
+        <a:lnSpc>
+          <a:spcPct val="90000"/>
+        </a:lnSpc>
+        <a:spcBef>
+          <a:spcPts val="375"/>
+        </a:spcBef>
+        <a:buFont typeface="Arial" panose="020B0604020202020204" pitchFamily="34" charset="0"/>
+        <a:buChar char="•"/>
+        <a:defRPr sz="1350" kern="1200">
           <a:solidFill>
             <a:schemeClr val="tx1"/>
           </a:solidFill>
@@ -3144,16 +2796,16 @@
           <a:cs typeface="+mn-cs"/>
         </a:defRPr>
       </a:lvl5pPr>
-      <a:lvl6pPr marL="2514600" indent="-228600" algn="l" defTabSz="914400" rtl="0" eaLnBrk="1" latinLnBrk="1" hangingPunct="1">
+      <a:lvl6pPr marL="1885950" indent="-171450" algn="l" defTabSz="685800" rtl="0" eaLnBrk="1" latinLnBrk="1" hangingPunct="1">
         <a:lnSpc>
           <a:spcPct val="90000"/>
         </a:lnSpc>
         <a:spcBef>
-          <a:spcPts val="500"/>
+          <a:spcPts val="375"/>
         </a:spcBef>
         <a:buFont typeface="Arial" panose="020B0604020202020204" pitchFamily="34" charset="0"/>
         <a:buChar char="•"/>
-        <a:defRPr sz="1800" kern="1200">
+        <a:defRPr sz="1350" kern="1200">
           <a:solidFill>
             <a:schemeClr val="tx1"/>
           </a:solidFill>
@@ -3162,16 +2814,16 @@
           <a:cs typeface="+mn-cs"/>
         </a:defRPr>
       </a:lvl6pPr>
-      <a:lvl7pPr marL="2971800" indent="-228600" algn="l" defTabSz="914400" rtl="0" eaLnBrk="1" latinLnBrk="1" hangingPunct="1">
+      <a:lvl7pPr marL="2228850" indent="-171450" algn="l" defTabSz="685800" rtl="0" eaLnBrk="1" latinLnBrk="1" hangingPunct="1">
         <a:lnSpc>
           <a:spcPct val="90000"/>
         </a:lnSpc>
         <a:spcBef>
-          <a:spcPts val="500"/>
+          <a:spcPts val="375"/>
         </a:spcBef>
         <a:buFont typeface="Arial" panose="020B0604020202020204" pitchFamily="34" charset="0"/>
         <a:buChar char="•"/>
-        <a:defRPr sz="1800" kern="1200">
+        <a:defRPr sz="1350" kern="1200">
           <a:solidFill>
             <a:schemeClr val="tx1"/>
           </a:solidFill>
@@ -3180,16 +2832,16 @@
           <a:cs typeface="+mn-cs"/>
         </a:defRPr>
       </a:lvl7pPr>
-      <a:lvl8pPr marL="3429000" indent="-228600" algn="l" defTabSz="914400" rtl="0" eaLnBrk="1" latinLnBrk="1" hangingPunct="1">
+      <a:lvl8pPr marL="2571750" indent="-171450" algn="l" defTabSz="685800" rtl="0" eaLnBrk="1" latinLnBrk="1" hangingPunct="1">
         <a:lnSpc>
           <a:spcPct val="90000"/>
         </a:lnSpc>
         <a:spcBef>
-          <a:spcPts val="500"/>
+          <a:spcPts val="375"/>
         </a:spcBef>
         <a:buFont typeface="Arial" panose="020B0604020202020204" pitchFamily="34" charset="0"/>
         <a:buChar char="•"/>
-        <a:defRPr sz="1800" kern="1200">
+        <a:defRPr sz="1350" kern="1200">
           <a:solidFill>
             <a:schemeClr val="tx1"/>
           </a:solidFill>
@@ -3198,16 +2850,16 @@
           <a:cs typeface="+mn-cs"/>
         </a:defRPr>
       </a:lvl8pPr>
-      <a:lvl9pPr marL="3886200" indent="-228600" algn="l" defTabSz="914400" rtl="0" eaLnBrk="1" latinLnBrk="1" hangingPunct="1">
+      <a:lvl9pPr marL="2914650" indent="-171450" algn="l" defTabSz="685800" rtl="0" eaLnBrk="1" latinLnBrk="1" hangingPunct="1">
         <a:lnSpc>
           <a:spcPct val="90000"/>
         </a:lnSpc>
         <a:spcBef>
-          <a:spcPts val="500"/>
+          <a:spcPts val="375"/>
         </a:spcBef>
         <a:buFont typeface="Arial" panose="020B0604020202020204" pitchFamily="34" charset="0"/>
         <a:buChar char="•"/>
-        <a:defRPr sz="1800" kern="1200">
+        <a:defRPr sz="1350" kern="1200">
           <a:solidFill>
             <a:schemeClr val="tx1"/>
           </a:solidFill>
@@ -3219,10 +2871,10 @@
     </p:bodyStyle>
     <p:otherStyle>
       <a:defPPr>
-        <a:defRPr lang="ko-KR"/>
+        <a:defRPr lang="en-US"/>
       </a:defPPr>
-      <a:lvl1pPr marL="0" algn="l" defTabSz="914400" rtl="0" eaLnBrk="1" latinLnBrk="1" hangingPunct="1">
-        <a:defRPr sz="1800" kern="1200">
+      <a:lvl1pPr marL="0" algn="l" defTabSz="685800" rtl="0" eaLnBrk="1" latinLnBrk="1" hangingPunct="1">
+        <a:defRPr sz="1350" kern="1200">
           <a:solidFill>
             <a:schemeClr val="tx1"/>
           </a:solidFill>
@@ -3231,8 +2883,8 @@
           <a:cs typeface="+mn-cs"/>
         </a:defRPr>
       </a:lvl1pPr>
-      <a:lvl2pPr marL="457200" algn="l" defTabSz="914400" rtl="0" eaLnBrk="1" latinLnBrk="1" hangingPunct="1">
-        <a:defRPr sz="1800" kern="1200">
+      <a:lvl2pPr marL="342900" algn="l" defTabSz="685800" rtl="0" eaLnBrk="1" latinLnBrk="1" hangingPunct="1">
+        <a:defRPr sz="1350" kern="1200">
           <a:solidFill>
             <a:schemeClr val="tx1"/>
           </a:solidFill>
@@ -3241,8 +2893,8 @@
           <a:cs typeface="+mn-cs"/>
         </a:defRPr>
       </a:lvl2pPr>
-      <a:lvl3pPr marL="914400" algn="l" defTabSz="914400" rtl="0" eaLnBrk="1" latinLnBrk="1" hangingPunct="1">
-        <a:defRPr sz="1800" kern="1200">
+      <a:lvl3pPr marL="685800" algn="l" defTabSz="685800" rtl="0" eaLnBrk="1" latinLnBrk="1" hangingPunct="1">
+        <a:defRPr sz="1350" kern="1200">
           <a:solidFill>
             <a:schemeClr val="tx1"/>
           </a:solidFill>
@@ -3251,8 +2903,8 @@
           <a:cs typeface="+mn-cs"/>
         </a:defRPr>
       </a:lvl3pPr>
-      <a:lvl4pPr marL="1371600" algn="l" defTabSz="914400" rtl="0" eaLnBrk="1" latinLnBrk="1" hangingPunct="1">
-        <a:defRPr sz="1800" kern="1200">
+      <a:lvl4pPr marL="1028700" algn="l" defTabSz="685800" rtl="0" eaLnBrk="1" latinLnBrk="1" hangingPunct="1">
+        <a:defRPr sz="1350" kern="1200">
           <a:solidFill>
             <a:schemeClr val="tx1"/>
           </a:solidFill>
@@ -3261,8 +2913,8 @@
           <a:cs typeface="+mn-cs"/>
         </a:defRPr>
       </a:lvl4pPr>
-      <a:lvl5pPr marL="1828800" algn="l" defTabSz="914400" rtl="0" eaLnBrk="1" latinLnBrk="1" hangingPunct="1">
-        <a:defRPr sz="1800" kern="1200">
+      <a:lvl5pPr marL="1371600" algn="l" defTabSz="685800" rtl="0" eaLnBrk="1" latinLnBrk="1" hangingPunct="1">
+        <a:defRPr sz="1350" kern="1200">
           <a:solidFill>
             <a:schemeClr val="tx1"/>
           </a:solidFill>
@@ -3271,8 +2923,8 @@
           <a:cs typeface="+mn-cs"/>
         </a:defRPr>
       </a:lvl5pPr>
-      <a:lvl6pPr marL="2286000" algn="l" defTabSz="914400" rtl="0" eaLnBrk="1" latinLnBrk="1" hangingPunct="1">
-        <a:defRPr sz="1800" kern="1200">
+      <a:lvl6pPr marL="1714500" algn="l" defTabSz="685800" rtl="0" eaLnBrk="1" latinLnBrk="1" hangingPunct="1">
+        <a:defRPr sz="1350" kern="1200">
           <a:solidFill>
             <a:schemeClr val="tx1"/>
           </a:solidFill>
@@ -3281,8 +2933,8 @@
           <a:cs typeface="+mn-cs"/>
         </a:defRPr>
       </a:lvl6pPr>
-      <a:lvl7pPr marL="2743200" algn="l" defTabSz="914400" rtl="0" eaLnBrk="1" latinLnBrk="1" hangingPunct="1">
-        <a:defRPr sz="1800" kern="1200">
+      <a:lvl7pPr marL="2057400" algn="l" defTabSz="685800" rtl="0" eaLnBrk="1" latinLnBrk="1" hangingPunct="1">
+        <a:defRPr sz="1350" kern="1200">
           <a:solidFill>
             <a:schemeClr val="tx1"/>
           </a:solidFill>
@@ -3291,8 +2943,8 @@
           <a:cs typeface="+mn-cs"/>
         </a:defRPr>
       </a:lvl7pPr>
-      <a:lvl8pPr marL="3200400" algn="l" defTabSz="914400" rtl="0" eaLnBrk="1" latinLnBrk="1" hangingPunct="1">
-        <a:defRPr sz="1800" kern="1200">
+      <a:lvl8pPr marL="2400300" algn="l" defTabSz="685800" rtl="0" eaLnBrk="1" latinLnBrk="1" hangingPunct="1">
+        <a:defRPr sz="1350" kern="1200">
           <a:solidFill>
             <a:schemeClr val="tx1"/>
           </a:solidFill>
@@ -3301,8 +2953,8 @@
           <a:cs typeface="+mn-cs"/>
         </a:defRPr>
       </a:lvl8pPr>
-      <a:lvl9pPr marL="3657600" algn="l" defTabSz="914400" rtl="0" eaLnBrk="1" latinLnBrk="1" hangingPunct="1">
-        <a:defRPr sz="1800" kern="1200">
+      <a:lvl9pPr marL="2743200" algn="l" defTabSz="685800" rtl="0" eaLnBrk="1" latinLnBrk="1" hangingPunct="1">
+        <a:defRPr sz="1350" kern="1200">
           <a:solidFill>
             <a:schemeClr val="tx1"/>
           </a:solidFill>
@@ -3349,14 +3001,25 @@
         </p:nvSpPr>
         <p:spPr>
           <a:xfrm>
-            <a:off x="3963139" y="984250"/>
-            <a:ext cx="3481424" cy="3481424"/>
+            <a:off x="2293273" y="615172"/>
+            <a:ext cx="1958301" cy="1958301"/>
           </a:xfrm>
           <a:prstGeom prst="ellipse">
             <a:avLst/>
           </a:prstGeom>
-          <a:ln>
-            <a:noFill/>
+          <a:solidFill>
+            <a:schemeClr val="accent5">
+              <a:lumMod val="20000"/>
+              <a:lumOff val="80000"/>
+            </a:schemeClr>
+          </a:solidFill>
+          <a:ln w="63500">
+            <a:solidFill>
+              <a:schemeClr val="accent4">
+                <a:lumMod val="60000"/>
+                <a:lumOff val="40000"/>
+              </a:schemeClr>
+            </a:solidFill>
           </a:ln>
         </p:spPr>
         <p:style>
@@ -3379,10 +3042,38 @@
           <a:bodyPr rtlCol="0" anchor="ctr"/>
           <a:lstStyle/>
           <a:p>
-            <a:pPr algn="ctr"/>
-            <a:r>
-              <a:rPr lang="ko-KR" altLang="en-US" sz="2400" dirty="0"/>
+            <a:pPr algn="ctr">
+              <a:lnSpc>
+                <a:spcPct val="150000"/>
+              </a:lnSpc>
+            </a:pPr>
+            <a:r>
+              <a:rPr lang="ko-KR" altLang="en-US" sz="1600" dirty="0">
+                <a:solidFill>
+                  <a:schemeClr val="tx1"/>
+                </a:solidFill>
+              </a:rPr>
               <a:t>내 사진</a:t>
+            </a:r>
+            <a:endParaRPr lang="en-US" altLang="ko-KR" sz="1600" dirty="0">
+              <a:solidFill>
+                <a:schemeClr val="tx1"/>
+              </a:solidFill>
+            </a:endParaRPr>
+          </a:p>
+          <a:p>
+            <a:pPr algn="ctr">
+              <a:lnSpc>
+                <a:spcPct val="150000"/>
+              </a:lnSpc>
+            </a:pPr>
+            <a:r>
+              <a:rPr lang="ko-KR" altLang="en-US" sz="1600" dirty="0">
+                <a:solidFill>
+                  <a:schemeClr val="tx1"/>
+                </a:solidFill>
+              </a:rPr>
+              <a:t>또는 아바타</a:t>
             </a:r>
           </a:p>
         </p:txBody>
@@ -3401,8 +3092,8 @@
         </p:nvSpPr>
         <p:spPr>
           <a:xfrm>
-            <a:off x="4219167" y="4876802"/>
-            <a:ext cx="2969367" cy="461665"/>
+            <a:off x="2437288" y="2859597"/>
+            <a:ext cx="1670269" cy="300082"/>
           </a:xfrm>
           <a:prstGeom prst="rect">
             <a:avLst/>
@@ -3424,9 +3115,586 @@
           <a:p>
             <a:pPr algn="ctr"/>
             <a:r>
-              <a:rPr lang="ko-KR" altLang="en-US" sz="2400" dirty="0"/>
+              <a:rPr lang="ko-KR" altLang="en-US" sz="1350" dirty="0"/>
               <a:t>내 이름</a:t>
             </a:r>
+          </a:p>
+        </p:txBody>
+      </p:sp>
+      <p:sp>
+        <p:nvSpPr>
+          <p:cNvPr id="2" name="TextBox 1">
+            <a:extLst>
+              <a:ext uri="{FF2B5EF4-FFF2-40B4-BE49-F238E27FC236}">
+                <a16:creationId xmlns:a16="http://schemas.microsoft.com/office/drawing/2014/main" id="{2CCCDD28-B979-4834-95E8-6B9A0FBE3DA8}"/>
+              </a:ext>
+            </a:extLst>
+          </p:cNvPr>
+          <p:cNvSpPr txBox="1"/>
+          <p:nvPr/>
+        </p:nvSpPr>
+        <p:spPr>
+          <a:xfrm>
+            <a:off x="2079467" y="3563052"/>
+            <a:ext cx="1192955" cy="1724190"/>
+          </a:xfrm>
+          <a:prstGeom prst="rect">
+            <a:avLst/>
+          </a:prstGeom>
+          <a:noFill/>
+        </p:spPr>
+        <p:txBody>
+          <a:bodyPr wrap="none" rtlCol="0">
+            <a:spAutoFit/>
+          </a:bodyPr>
+          <a:lstStyle/>
+          <a:p>
+            <a:pPr algn="r">
+              <a:lnSpc>
+                <a:spcPct val="150000"/>
+              </a:lnSpc>
+            </a:pPr>
+            <a:r>
+              <a:rPr lang="ko-KR" altLang="en-US" sz="1200" b="1" dirty="0"/>
+              <a:t>생 일</a:t>
+            </a:r>
+            <a:endParaRPr lang="en-US" altLang="ko-KR" sz="1200" b="1" dirty="0"/>
+          </a:p>
+          <a:p>
+            <a:pPr algn="r">
+              <a:lnSpc>
+                <a:spcPct val="150000"/>
+              </a:lnSpc>
+            </a:pPr>
+            <a:r>
+              <a:rPr lang="ko-KR" altLang="en-US" sz="1200" b="1" dirty="0"/>
+              <a:t>학 교</a:t>
+            </a:r>
+            <a:endParaRPr lang="en-US" altLang="ko-KR" sz="1200" b="1" dirty="0"/>
+          </a:p>
+          <a:p>
+            <a:pPr algn="r">
+              <a:lnSpc>
+                <a:spcPct val="150000"/>
+              </a:lnSpc>
+            </a:pPr>
+            <a:r>
+              <a:rPr lang="ko-KR" altLang="en-US" sz="1200" b="1" dirty="0"/>
+              <a:t>취 미</a:t>
+            </a:r>
+            <a:endParaRPr lang="en-US" altLang="ko-KR" sz="1200" b="1" dirty="0"/>
+          </a:p>
+          <a:p>
+            <a:pPr algn="r">
+              <a:lnSpc>
+                <a:spcPct val="150000"/>
+              </a:lnSpc>
+            </a:pPr>
+            <a:r>
+              <a:rPr lang="ko-KR" altLang="en-US" sz="1200" b="1" dirty="0" err="1"/>
+              <a:t>특</a:t>
+            </a:r>
+            <a:r>
+              <a:rPr lang="ko-KR" altLang="en-US" sz="1200" b="1" dirty="0"/>
+              <a:t> 기</a:t>
+            </a:r>
+            <a:endParaRPr lang="en-US" altLang="ko-KR" sz="1200" b="1" dirty="0"/>
+          </a:p>
+          <a:p>
+            <a:pPr algn="r">
+              <a:lnSpc>
+                <a:spcPct val="150000"/>
+              </a:lnSpc>
+            </a:pPr>
+            <a:r>
+              <a:rPr lang="ko-KR" altLang="en-US" sz="1200" b="1" dirty="0"/>
+              <a:t>목 표</a:t>
+            </a:r>
+            <a:endParaRPr lang="en-US" altLang="ko-KR" sz="1200" b="1" dirty="0"/>
+          </a:p>
+          <a:p>
+            <a:pPr algn="r">
+              <a:lnSpc>
+                <a:spcPct val="150000"/>
+              </a:lnSpc>
+            </a:pPr>
+            <a:r>
+              <a:rPr lang="ko-KR" altLang="en-US" sz="1200" b="1" dirty="0"/>
+              <a:t>싫어하는 음식</a:t>
+            </a:r>
+            <a:r>
+              <a:rPr lang="en-US" altLang="ko-KR" sz="1200" b="1" dirty="0"/>
+              <a:t>!</a:t>
+            </a:r>
+          </a:p>
+        </p:txBody>
+      </p:sp>
+      <p:sp>
+        <p:nvSpPr>
+          <p:cNvPr id="5" name="TextBox 4">
+            <a:extLst>
+              <a:ext uri="{FF2B5EF4-FFF2-40B4-BE49-F238E27FC236}">
+                <a16:creationId xmlns:a16="http://schemas.microsoft.com/office/drawing/2014/main" id="{3D0D68E7-5E57-412B-A58D-E7E5B4912D74}"/>
+              </a:ext>
+            </a:extLst>
+          </p:cNvPr>
+          <p:cNvSpPr txBox="1"/>
+          <p:nvPr/>
+        </p:nvSpPr>
+        <p:spPr>
+          <a:xfrm>
+            <a:off x="3429000" y="3563052"/>
+            <a:ext cx="835485" cy="1724190"/>
+          </a:xfrm>
+          <a:prstGeom prst="rect">
+            <a:avLst/>
+          </a:prstGeom>
+          <a:noFill/>
+        </p:spPr>
+        <p:txBody>
+          <a:bodyPr wrap="none" rtlCol="0">
+            <a:spAutoFit/>
+          </a:bodyPr>
+          <a:lstStyle/>
+          <a:p>
+            <a:pPr>
+              <a:lnSpc>
+                <a:spcPct val="150000"/>
+              </a:lnSpc>
+            </a:pPr>
+            <a:r>
+              <a:rPr lang="en-US" altLang="ko-KR" sz="1200" dirty="0"/>
+              <a:t>10.05.13</a:t>
+            </a:r>
+          </a:p>
+          <a:p>
+            <a:pPr>
+              <a:lnSpc>
+                <a:spcPct val="150000"/>
+              </a:lnSpc>
+            </a:pPr>
+            <a:r>
+              <a:rPr lang="ko-KR" altLang="en-US" sz="1200" dirty="0" err="1"/>
+              <a:t>삼성중</a:t>
+            </a:r>
+            <a:endParaRPr lang="en-US" altLang="ko-KR" sz="1200" dirty="0"/>
+          </a:p>
+          <a:p>
+            <a:pPr>
+              <a:lnSpc>
+                <a:spcPct val="150000"/>
+              </a:lnSpc>
+            </a:pPr>
+            <a:r>
+              <a:rPr lang="ko-KR" altLang="en-US" sz="1200" dirty="0"/>
+              <a:t>해외축구</a:t>
+            </a:r>
+            <a:endParaRPr lang="en-US" altLang="ko-KR" sz="1200" dirty="0"/>
+          </a:p>
+          <a:p>
+            <a:pPr>
+              <a:lnSpc>
+                <a:spcPct val="150000"/>
+              </a:lnSpc>
+            </a:pPr>
+            <a:r>
+              <a:rPr lang="ko-KR" altLang="en-US" sz="1200" dirty="0"/>
+              <a:t>영화 분석</a:t>
+            </a:r>
+            <a:endParaRPr lang="en-US" altLang="ko-KR" sz="1200" dirty="0"/>
+          </a:p>
+          <a:p>
+            <a:pPr>
+              <a:lnSpc>
+                <a:spcPct val="150000"/>
+              </a:lnSpc>
+            </a:pPr>
+            <a:r>
+              <a:rPr lang="en-US" altLang="ko-KR" sz="1200" dirty="0"/>
+              <a:t>AI </a:t>
+            </a:r>
+            <a:r>
+              <a:rPr lang="ko-KR" altLang="en-US" sz="1200" dirty="0"/>
+              <a:t>개발자</a:t>
+            </a:r>
+            <a:endParaRPr lang="en-US" altLang="ko-KR" sz="1200" dirty="0"/>
+          </a:p>
+          <a:p>
+            <a:pPr>
+              <a:lnSpc>
+                <a:spcPct val="150000"/>
+              </a:lnSpc>
+            </a:pPr>
+            <a:r>
+              <a:rPr lang="ko-KR" altLang="en-US" sz="1200" dirty="0"/>
+              <a:t>오이</a:t>
+            </a:r>
+            <a:endParaRPr lang="en-US" altLang="ko-KR" sz="1200" dirty="0"/>
+          </a:p>
+        </p:txBody>
+      </p:sp>
+      <p:cxnSp>
+        <p:nvCxnSpPr>
+          <p:cNvPr id="7" name="직선 연결선 6">
+            <a:extLst>
+              <a:ext uri="{FF2B5EF4-FFF2-40B4-BE49-F238E27FC236}">
+                <a16:creationId xmlns:a16="http://schemas.microsoft.com/office/drawing/2014/main" id="{C7900E83-9CB3-499E-814B-149EBB0BF9C5}"/>
+              </a:ext>
+            </a:extLst>
+          </p:cNvPr>
+          <p:cNvCxnSpPr>
+            <a:cxnSpLocks/>
+          </p:cNvCxnSpPr>
+          <p:nvPr/>
+        </p:nvCxnSpPr>
+        <p:spPr>
+          <a:xfrm>
+            <a:off x="516636" y="5690616"/>
+            <a:ext cx="5824728" cy="0"/>
+          </a:xfrm>
+          <a:prstGeom prst="line">
+            <a:avLst/>
+          </a:prstGeom>
+        </p:spPr>
+        <p:style>
+          <a:lnRef idx="1">
+            <a:schemeClr val="accent1"/>
+          </a:lnRef>
+          <a:fillRef idx="0">
+            <a:schemeClr val="accent1"/>
+          </a:fillRef>
+          <a:effectRef idx="0">
+            <a:schemeClr val="accent1"/>
+          </a:effectRef>
+          <a:fontRef idx="minor">
+            <a:schemeClr val="tx1"/>
+          </a:fontRef>
+        </p:style>
+      </p:cxnSp>
+      <p:sp>
+        <p:nvSpPr>
+          <p:cNvPr id="12" name="TextBox 11">
+            <a:extLst>
+              <a:ext uri="{FF2B5EF4-FFF2-40B4-BE49-F238E27FC236}">
+                <a16:creationId xmlns:a16="http://schemas.microsoft.com/office/drawing/2014/main" id="{4F75A5D0-9428-4B0E-BB52-8D95FDB09832}"/>
+              </a:ext>
+            </a:extLst>
+          </p:cNvPr>
+          <p:cNvSpPr txBox="1"/>
+          <p:nvPr/>
+        </p:nvSpPr>
+        <p:spPr>
+          <a:xfrm>
+            <a:off x="516636" y="5943950"/>
+            <a:ext cx="1670269" cy="300082"/>
+          </a:xfrm>
+          <a:prstGeom prst="rect">
+            <a:avLst/>
+          </a:prstGeom>
+          <a:noFill/>
+          <a:ln w="12700">
+            <a:solidFill>
+              <a:schemeClr val="accent1">
+                <a:shade val="50000"/>
+              </a:schemeClr>
+            </a:solidFill>
+          </a:ln>
+        </p:spPr>
+        <p:txBody>
+          <a:bodyPr wrap="square" rtlCol="0">
+            <a:spAutoFit/>
+          </a:bodyPr>
+          <a:lstStyle/>
+          <a:p>
+            <a:pPr algn="ctr"/>
+            <a:r>
+              <a:rPr lang="ko-KR" altLang="en-US" sz="1350" dirty="0"/>
+              <a:t>인생 타임라인</a:t>
+            </a:r>
+          </a:p>
+        </p:txBody>
+      </p:sp>
+      <p:cxnSp>
+        <p:nvCxnSpPr>
+          <p:cNvPr id="10" name="직선 연결선 9">
+            <a:extLst>
+              <a:ext uri="{FF2B5EF4-FFF2-40B4-BE49-F238E27FC236}">
+                <a16:creationId xmlns:a16="http://schemas.microsoft.com/office/drawing/2014/main" id="{5D6EE8BF-68C9-47C3-81DD-7B24E10FDEEB}"/>
+              </a:ext>
+            </a:extLst>
+          </p:cNvPr>
+          <p:cNvCxnSpPr>
+            <a:cxnSpLocks/>
+          </p:cNvCxnSpPr>
+          <p:nvPr/>
+        </p:nvCxnSpPr>
+        <p:spPr>
+          <a:xfrm>
+            <a:off x="3350483" y="6349973"/>
+            <a:ext cx="0" cy="2964641"/>
+          </a:xfrm>
+          <a:prstGeom prst="line">
+            <a:avLst/>
+          </a:prstGeom>
+          <a:ln w="25400"/>
+        </p:spPr>
+        <p:style>
+          <a:lnRef idx="1">
+            <a:schemeClr val="accent1"/>
+          </a:lnRef>
+          <a:fillRef idx="0">
+            <a:schemeClr val="accent1"/>
+          </a:fillRef>
+          <a:effectRef idx="0">
+            <a:schemeClr val="accent1"/>
+          </a:effectRef>
+          <a:fontRef idx="minor">
+            <a:schemeClr val="tx1"/>
+          </a:fontRef>
+        </p:style>
+      </p:cxnSp>
+      <p:sp>
+        <p:nvSpPr>
+          <p:cNvPr id="16" name="TextBox 15">
+            <a:extLst>
+              <a:ext uri="{FF2B5EF4-FFF2-40B4-BE49-F238E27FC236}">
+                <a16:creationId xmlns:a16="http://schemas.microsoft.com/office/drawing/2014/main" id="{B26C1BC7-D49F-400B-AEC9-A1832EA7AE63}"/>
+              </a:ext>
+            </a:extLst>
+          </p:cNvPr>
+          <p:cNvSpPr txBox="1"/>
+          <p:nvPr/>
+        </p:nvSpPr>
+        <p:spPr>
+          <a:xfrm>
+            <a:off x="790049" y="6276821"/>
+            <a:ext cx="2255809" cy="2786019"/>
+          </a:xfrm>
+          <a:prstGeom prst="rect">
+            <a:avLst/>
+          </a:prstGeom>
+          <a:noFill/>
+        </p:spPr>
+        <p:txBody>
+          <a:bodyPr wrap="none" rtlCol="0">
+            <a:spAutoFit/>
+          </a:bodyPr>
+          <a:lstStyle/>
+          <a:p>
+            <a:pPr algn="r">
+              <a:lnSpc>
+                <a:spcPct val="250000"/>
+              </a:lnSpc>
+            </a:pPr>
+            <a:r>
+              <a:rPr lang="en-US" altLang="ko-KR" sz="1200" dirty="0"/>
+              <a:t>17</a:t>
+            </a:r>
+            <a:r>
+              <a:rPr lang="ko-KR" altLang="en-US" sz="1200" dirty="0"/>
+              <a:t>살</a:t>
+            </a:r>
+            <a:endParaRPr lang="en-US" altLang="ko-KR" sz="1200" dirty="0"/>
+          </a:p>
+          <a:p>
+            <a:pPr algn="r">
+              <a:lnSpc>
+                <a:spcPct val="250000"/>
+              </a:lnSpc>
+            </a:pPr>
+            <a:r>
+              <a:rPr lang="ko-KR" altLang="en-US" sz="1200" b="1" u="sng" dirty="0"/>
+              <a:t>삼성대학교 컴퓨터공학과</a:t>
+            </a:r>
+            <a:r>
+              <a:rPr lang="en-US" altLang="ko-KR" sz="1200" b="1" u="sng" dirty="0"/>
+              <a:t> </a:t>
+            </a:r>
+            <a:r>
+              <a:rPr lang="ko-KR" altLang="en-US" sz="1200" b="1" u="sng" dirty="0"/>
+              <a:t>입학</a:t>
+            </a:r>
+            <a:endParaRPr lang="en-US" altLang="ko-KR" sz="1200" b="1" u="sng" dirty="0"/>
+          </a:p>
+          <a:p>
+            <a:pPr algn="r">
+              <a:lnSpc>
+                <a:spcPct val="250000"/>
+              </a:lnSpc>
+            </a:pPr>
+            <a:r>
+              <a:rPr lang="en-US" altLang="ko-KR" sz="1200" dirty="0"/>
+              <a:t>21</a:t>
+            </a:r>
+            <a:r>
+              <a:rPr lang="ko-KR" altLang="en-US" sz="1200" dirty="0"/>
+              <a:t>살</a:t>
+            </a:r>
+            <a:endParaRPr lang="en-US" altLang="ko-KR" sz="1200" dirty="0"/>
+          </a:p>
+          <a:p>
+            <a:pPr algn="r">
+              <a:lnSpc>
+                <a:spcPct val="250000"/>
+              </a:lnSpc>
+            </a:pPr>
+            <a:r>
+              <a:rPr lang="ko-KR" altLang="en-US" sz="1200" b="1" u="sng" dirty="0"/>
+              <a:t>미국 교환학생</a:t>
+            </a:r>
+            <a:endParaRPr lang="en-US" altLang="ko-KR" sz="1200" b="1" u="sng" dirty="0"/>
+          </a:p>
+          <a:p>
+            <a:pPr algn="r">
+              <a:lnSpc>
+                <a:spcPct val="250000"/>
+              </a:lnSpc>
+            </a:pPr>
+            <a:r>
+              <a:rPr lang="en-US" altLang="ko-KR" sz="1200" dirty="0"/>
+              <a:t>24</a:t>
+            </a:r>
+            <a:r>
+              <a:rPr lang="ko-KR" altLang="en-US" sz="1200" dirty="0"/>
+              <a:t>살</a:t>
+            </a:r>
+            <a:endParaRPr lang="en-US" altLang="ko-KR" sz="1200" dirty="0"/>
+          </a:p>
+          <a:p>
+            <a:pPr algn="r">
+              <a:lnSpc>
+                <a:spcPct val="250000"/>
+              </a:lnSpc>
+            </a:pPr>
+            <a:r>
+              <a:rPr lang="ko-KR" altLang="en-US" sz="1200" b="1" u="sng" dirty="0"/>
+              <a:t>삼성전자 입사</a:t>
+            </a:r>
+            <a:r>
+              <a:rPr lang="en-US" altLang="ko-KR" sz="1200" b="1" u="sng" dirty="0"/>
+              <a:t>!!</a:t>
+            </a:r>
+          </a:p>
+        </p:txBody>
+      </p:sp>
+      <p:sp>
+        <p:nvSpPr>
+          <p:cNvPr id="17" name="TextBox 16">
+            <a:extLst>
+              <a:ext uri="{FF2B5EF4-FFF2-40B4-BE49-F238E27FC236}">
+                <a16:creationId xmlns:a16="http://schemas.microsoft.com/office/drawing/2014/main" id="{89FBD0DA-F8CE-4C61-BA17-5ECBD2699802}"/>
+              </a:ext>
+            </a:extLst>
+          </p:cNvPr>
+          <p:cNvSpPr txBox="1"/>
+          <p:nvPr/>
+        </p:nvSpPr>
+        <p:spPr>
+          <a:xfrm>
+            <a:off x="3521333" y="6276821"/>
+            <a:ext cx="1486304" cy="2786019"/>
+          </a:xfrm>
+          <a:prstGeom prst="rect">
+            <a:avLst/>
+          </a:prstGeom>
+          <a:noFill/>
+        </p:spPr>
+        <p:txBody>
+          <a:bodyPr wrap="none" rtlCol="0">
+            <a:spAutoFit/>
+          </a:bodyPr>
+          <a:lstStyle/>
+          <a:p>
+            <a:pPr>
+              <a:lnSpc>
+                <a:spcPct val="250000"/>
+              </a:lnSpc>
+            </a:pPr>
+            <a:r>
+              <a:rPr lang="ko-KR" altLang="en-US" sz="1200" b="1" u="sng" dirty="0"/>
+              <a:t>삼성고등학교 진학</a:t>
+            </a:r>
+            <a:endParaRPr lang="en-US" altLang="ko-KR" sz="1200" b="1" u="sng" dirty="0"/>
+          </a:p>
+          <a:p>
+            <a:pPr>
+              <a:lnSpc>
+                <a:spcPct val="250000"/>
+              </a:lnSpc>
+            </a:pPr>
+            <a:r>
+              <a:rPr lang="en-US" altLang="ko-KR" sz="1200" dirty="0"/>
+              <a:t>20</a:t>
+            </a:r>
+            <a:r>
+              <a:rPr lang="ko-KR" altLang="en-US" sz="1200" dirty="0"/>
+              <a:t>살</a:t>
+            </a:r>
+            <a:endParaRPr lang="en-US" altLang="ko-KR" sz="1200" dirty="0"/>
+          </a:p>
+          <a:p>
+            <a:pPr>
+              <a:lnSpc>
+                <a:spcPct val="250000"/>
+              </a:lnSpc>
+            </a:pPr>
+            <a:r>
+              <a:rPr lang="ko-KR" altLang="en-US" sz="1200" b="1" u="sng" dirty="0"/>
+              <a:t>유럽 한달 배낭여행</a:t>
+            </a:r>
+            <a:endParaRPr lang="en-US" altLang="ko-KR" sz="1200" b="1" u="sng" dirty="0"/>
+          </a:p>
+          <a:p>
+            <a:pPr>
+              <a:lnSpc>
+                <a:spcPct val="250000"/>
+              </a:lnSpc>
+            </a:pPr>
+            <a:r>
+              <a:rPr lang="en-US" altLang="ko-KR" sz="1200" dirty="0"/>
+              <a:t>23</a:t>
+            </a:r>
+            <a:r>
+              <a:rPr lang="ko-KR" altLang="en-US" sz="1200" dirty="0"/>
+              <a:t>살</a:t>
+            </a:r>
+            <a:endParaRPr lang="en-US" altLang="ko-KR" sz="1200" dirty="0"/>
+          </a:p>
+          <a:p>
+            <a:pPr>
+              <a:lnSpc>
+                <a:spcPct val="250000"/>
+              </a:lnSpc>
+            </a:pPr>
+            <a:r>
+              <a:rPr lang="ko-KR" altLang="en-US" sz="1200" b="1" u="sng" dirty="0"/>
+              <a:t>국내 해킹대회 </a:t>
+            </a:r>
+            <a:r>
+              <a:rPr lang="en-US" altLang="ko-KR" sz="1200" b="1" u="sng" dirty="0"/>
+              <a:t>1</a:t>
+            </a:r>
+            <a:r>
+              <a:rPr lang="ko-KR" altLang="en-US" sz="1200" b="1" u="sng" dirty="0"/>
+              <a:t>등</a:t>
+            </a:r>
+            <a:endParaRPr lang="en-US" altLang="ko-KR" sz="1200" b="1" u="sng" dirty="0"/>
+          </a:p>
+          <a:p>
+            <a:pPr>
+              <a:lnSpc>
+                <a:spcPct val="250000"/>
+              </a:lnSpc>
+            </a:pPr>
+            <a:r>
+              <a:rPr lang="en-US" altLang="ko-KR" sz="1200" dirty="0"/>
+              <a:t>25</a:t>
+            </a:r>
+            <a:r>
+              <a:rPr lang="ko-KR" altLang="en-US" sz="1200" dirty="0"/>
+              <a:t>살</a:t>
+            </a:r>
+            <a:endParaRPr lang="en-US" altLang="ko-KR" sz="1200" dirty="0"/>
           </a:p>
         </p:txBody>
       </p:sp>
@@ -3443,10 +3711,1393 @@
 </p:sld>
 </file>
 
+<file path=ppt/slides/slide2.xml><?xml version="1.0" encoding="utf-8"?>
+<p:sld xmlns:a="http://schemas.openxmlformats.org/drawingml/2006/main" xmlns:r="http://schemas.openxmlformats.org/officeDocument/2006/relationships" xmlns:p="http://schemas.openxmlformats.org/presentationml/2006/main">
+  <p:cSld>
+    <p:spTree>
+      <p:nvGrpSpPr>
+        <p:cNvPr id="1" name=""/>
+        <p:cNvGrpSpPr/>
+        <p:nvPr/>
+      </p:nvGrpSpPr>
+      <p:grpSpPr>
+        <a:xfrm>
+          <a:off x="0" y="0"/>
+          <a:ext cx="0" cy="0"/>
+          <a:chOff x="0" y="0"/>
+          <a:chExt cx="0" cy="0"/>
+        </a:xfrm>
+      </p:grpSpPr>
+      <p:pic>
+        <p:nvPicPr>
+          <p:cNvPr id="4" name="Picture 4" descr="생계형 개발자입니다] 현직자가 느끼는 프로그래머의 단점 - 모비인사이드 MOBIINSIDE">
+            <a:extLst>
+              <a:ext uri="{FF2B5EF4-FFF2-40B4-BE49-F238E27FC236}">
+                <a16:creationId xmlns:a16="http://schemas.microsoft.com/office/drawing/2014/main" id="{E9DB61E1-4CC6-4FE5-A65C-85FB088953D4}"/>
+              </a:ext>
+            </a:extLst>
+          </p:cNvPr>
+          <p:cNvPicPr>
+            <a:picLocks noChangeAspect="1" noChangeArrowheads="1"/>
+          </p:cNvPicPr>
+          <p:nvPr/>
+        </p:nvPicPr>
+        <p:blipFill>
+          <a:blip r:embed="rId2">
+            <a:extLst>
+              <a:ext uri="{28A0092B-C50C-407E-A947-70E740481C1C}">
+                <a14:useLocalDpi xmlns:a14="http://schemas.microsoft.com/office/drawing/2010/main" val="0"/>
+              </a:ext>
+            </a:extLst>
+          </a:blip>
+          <a:srcRect/>
+          <a:stretch>
+            <a:fillRect/>
+          </a:stretch>
+        </p:blipFill>
+        <p:spPr bwMode="auto">
+          <a:xfrm>
+            <a:off x="425196" y="1220239"/>
+            <a:ext cx="2982922" cy="1989305"/>
+          </a:xfrm>
+          <a:prstGeom prst="rect">
+            <a:avLst/>
+          </a:prstGeom>
+          <a:noFill/>
+          <a:extLst>
+            <a:ext uri="{909E8E84-426E-40DD-AFC4-6F175D3DCCD1}">
+              <a14:hiddenFill xmlns:a14="http://schemas.microsoft.com/office/drawing/2010/main">
+                <a:solidFill>
+                  <a:srgbClr val="FFFFFF"/>
+                </a:solidFill>
+              </a14:hiddenFill>
+            </a:ext>
+          </a:extLst>
+        </p:spPr>
+      </p:pic>
+      <p:sp>
+        <p:nvSpPr>
+          <p:cNvPr id="5" name="TextBox 4">
+            <a:extLst>
+              <a:ext uri="{FF2B5EF4-FFF2-40B4-BE49-F238E27FC236}">
+                <a16:creationId xmlns:a16="http://schemas.microsoft.com/office/drawing/2014/main" id="{38F65732-332C-4A76-A90F-B85D604EC53D}"/>
+              </a:ext>
+            </a:extLst>
+          </p:cNvPr>
+          <p:cNvSpPr txBox="1"/>
+          <p:nvPr/>
+        </p:nvSpPr>
+        <p:spPr>
+          <a:xfrm>
+            <a:off x="3641002" y="1220239"/>
+            <a:ext cx="2608922" cy="2001189"/>
+          </a:xfrm>
+          <a:prstGeom prst="rect">
+            <a:avLst/>
+          </a:prstGeom>
+          <a:noFill/>
+        </p:spPr>
+        <p:txBody>
+          <a:bodyPr wrap="square" rtlCol="0">
+            <a:spAutoFit/>
+          </a:bodyPr>
+          <a:lstStyle/>
+          <a:p>
+            <a:pPr>
+              <a:lnSpc>
+                <a:spcPct val="150000"/>
+              </a:lnSpc>
+            </a:pPr>
+            <a:r>
+              <a:rPr lang="en-US" altLang="ko-KR" sz="1200" dirty="0"/>
+              <a:t>“</a:t>
+            </a:r>
+            <a:r>
+              <a:rPr lang="ko-KR" altLang="en-US" sz="1200" b="1" u="sng" dirty="0"/>
+              <a:t>나만큼 똑똑한</a:t>
+            </a:r>
+            <a:r>
+              <a:rPr lang="ko-KR" altLang="en-US" sz="1200" dirty="0"/>
+              <a:t> </a:t>
+            </a:r>
+            <a:r>
+              <a:rPr lang="en-US" altLang="ko-KR" sz="1200" dirty="0"/>
+              <a:t>AI</a:t>
+            </a:r>
+            <a:r>
+              <a:rPr lang="ko-KR" altLang="en-US" sz="1200" dirty="0"/>
+              <a:t>를 만드는 개발자</a:t>
+            </a:r>
+            <a:r>
+              <a:rPr lang="en-US" altLang="ko-KR" sz="1200" dirty="0"/>
+              <a:t>“</a:t>
+            </a:r>
+          </a:p>
+          <a:p>
+            <a:pPr>
+              <a:lnSpc>
+                <a:spcPct val="150000"/>
+              </a:lnSpc>
+            </a:pPr>
+            <a:endParaRPr lang="en-US" altLang="ko-KR" sz="1200" dirty="0"/>
+          </a:p>
+          <a:p>
+            <a:pPr marL="171450" indent="-171450">
+              <a:lnSpc>
+                <a:spcPct val="150000"/>
+              </a:lnSpc>
+              <a:buFontTx/>
+              <a:buChar char="-"/>
+            </a:pPr>
+            <a:r>
+              <a:rPr lang="ko-KR" altLang="en-US" sz="1200" dirty="0"/>
+              <a:t>삼성전자 입사</a:t>
+            </a:r>
+            <a:endParaRPr lang="en-US" altLang="ko-KR" sz="1200" dirty="0"/>
+          </a:p>
+          <a:p>
+            <a:pPr marL="171450" indent="-171450">
+              <a:lnSpc>
+                <a:spcPct val="150000"/>
+              </a:lnSpc>
+              <a:buFontTx/>
+              <a:buChar char="-"/>
+            </a:pPr>
+            <a:r>
+              <a:rPr lang="ko-KR" altLang="en-US" sz="1200" dirty="0"/>
+              <a:t>인간과 같이 실수도 하는 말동무 </a:t>
+            </a:r>
+            <a:r>
+              <a:rPr lang="en-US" altLang="ko-KR" sz="1200" dirty="0"/>
+              <a:t>AI </a:t>
+            </a:r>
+            <a:r>
+              <a:rPr lang="ko-KR" altLang="en-US" sz="1200" dirty="0"/>
+              <a:t>개발하기</a:t>
+            </a:r>
+            <a:endParaRPr lang="en-US" altLang="ko-KR" sz="1200" dirty="0"/>
+          </a:p>
+          <a:p>
+            <a:pPr marL="171450" indent="-171450">
+              <a:lnSpc>
+                <a:spcPct val="150000"/>
+              </a:lnSpc>
+              <a:buFontTx/>
+              <a:buChar char="-"/>
+            </a:pPr>
+            <a:r>
+              <a:rPr lang="ko-KR" altLang="en-US" sz="1200" dirty="0"/>
+              <a:t>얼굴 표정이 사람처럼 변하는 </a:t>
+            </a:r>
+            <a:r>
+              <a:rPr lang="en-US" altLang="ko-KR" sz="1200" dirty="0"/>
+              <a:t>AI </a:t>
+            </a:r>
+            <a:r>
+              <a:rPr lang="ko-KR" altLang="en-US" sz="1200" dirty="0"/>
+              <a:t>아바타 개발하기</a:t>
+            </a:r>
+            <a:endParaRPr lang="en-US" altLang="ko-KR" sz="1200" dirty="0"/>
+          </a:p>
+        </p:txBody>
+      </p:sp>
+      <p:cxnSp>
+        <p:nvCxnSpPr>
+          <p:cNvPr id="6" name="직선 연결선 5">
+            <a:extLst>
+              <a:ext uri="{FF2B5EF4-FFF2-40B4-BE49-F238E27FC236}">
+                <a16:creationId xmlns:a16="http://schemas.microsoft.com/office/drawing/2014/main" id="{5E370935-D9DD-4712-835C-834F788A8D5D}"/>
+              </a:ext>
+            </a:extLst>
+          </p:cNvPr>
+          <p:cNvCxnSpPr>
+            <a:cxnSpLocks/>
+          </p:cNvCxnSpPr>
+          <p:nvPr/>
+        </p:nvCxnSpPr>
+        <p:spPr>
+          <a:xfrm>
+            <a:off x="425196" y="268224"/>
+            <a:ext cx="5824728" cy="0"/>
+          </a:xfrm>
+          <a:prstGeom prst="line">
+            <a:avLst/>
+          </a:prstGeom>
+        </p:spPr>
+        <p:style>
+          <a:lnRef idx="1">
+            <a:schemeClr val="accent1"/>
+          </a:lnRef>
+          <a:fillRef idx="0">
+            <a:schemeClr val="accent1"/>
+          </a:fillRef>
+          <a:effectRef idx="0">
+            <a:schemeClr val="accent1"/>
+          </a:effectRef>
+          <a:fontRef idx="minor">
+            <a:schemeClr val="tx1"/>
+          </a:fontRef>
+        </p:style>
+      </p:cxnSp>
+      <p:sp>
+        <p:nvSpPr>
+          <p:cNvPr id="7" name="TextBox 6">
+            <a:extLst>
+              <a:ext uri="{FF2B5EF4-FFF2-40B4-BE49-F238E27FC236}">
+                <a16:creationId xmlns:a16="http://schemas.microsoft.com/office/drawing/2014/main" id="{9CF211AF-C213-480D-8F3B-0E022E2BBA61}"/>
+              </a:ext>
+            </a:extLst>
+          </p:cNvPr>
+          <p:cNvSpPr txBox="1"/>
+          <p:nvPr/>
+        </p:nvSpPr>
+        <p:spPr>
+          <a:xfrm>
+            <a:off x="425196" y="453596"/>
+            <a:ext cx="1670269" cy="300082"/>
+          </a:xfrm>
+          <a:prstGeom prst="rect">
+            <a:avLst/>
+          </a:prstGeom>
+          <a:noFill/>
+          <a:ln w="12700">
+            <a:solidFill>
+              <a:schemeClr val="accent1">
+                <a:shade val="50000"/>
+              </a:schemeClr>
+            </a:solidFill>
+          </a:ln>
+        </p:spPr>
+        <p:txBody>
+          <a:bodyPr wrap="square" rtlCol="0">
+            <a:spAutoFit/>
+          </a:bodyPr>
+          <a:lstStyle/>
+          <a:p>
+            <a:pPr algn="ctr"/>
+            <a:r>
+              <a:rPr lang="ko-KR" altLang="en-US" sz="1350" dirty="0"/>
+              <a:t>장래 희망</a:t>
+            </a:r>
+          </a:p>
+        </p:txBody>
+      </p:sp>
+      <p:cxnSp>
+        <p:nvCxnSpPr>
+          <p:cNvPr id="8" name="직선 연결선 7">
+            <a:extLst>
+              <a:ext uri="{FF2B5EF4-FFF2-40B4-BE49-F238E27FC236}">
+                <a16:creationId xmlns:a16="http://schemas.microsoft.com/office/drawing/2014/main" id="{60F83F75-3C4B-4E20-8453-FA9E13DB9A22}"/>
+              </a:ext>
+            </a:extLst>
+          </p:cNvPr>
+          <p:cNvCxnSpPr>
+            <a:cxnSpLocks/>
+          </p:cNvCxnSpPr>
+          <p:nvPr/>
+        </p:nvCxnSpPr>
+        <p:spPr>
+          <a:xfrm>
+            <a:off x="425196" y="3509809"/>
+            <a:ext cx="5824728" cy="0"/>
+          </a:xfrm>
+          <a:prstGeom prst="line">
+            <a:avLst/>
+          </a:prstGeom>
+        </p:spPr>
+        <p:style>
+          <a:lnRef idx="1">
+            <a:schemeClr val="accent1"/>
+          </a:lnRef>
+          <a:fillRef idx="0">
+            <a:schemeClr val="accent1"/>
+          </a:fillRef>
+          <a:effectRef idx="0">
+            <a:schemeClr val="accent1"/>
+          </a:effectRef>
+          <a:fontRef idx="minor">
+            <a:schemeClr val="tx1"/>
+          </a:fontRef>
+        </p:style>
+      </p:cxnSp>
+      <p:sp>
+        <p:nvSpPr>
+          <p:cNvPr id="9" name="TextBox 8">
+            <a:extLst>
+              <a:ext uri="{FF2B5EF4-FFF2-40B4-BE49-F238E27FC236}">
+                <a16:creationId xmlns:a16="http://schemas.microsoft.com/office/drawing/2014/main" id="{A2ABAAAA-C1F0-4FC9-906C-84F288C0FB33}"/>
+              </a:ext>
+            </a:extLst>
+          </p:cNvPr>
+          <p:cNvSpPr txBox="1"/>
+          <p:nvPr/>
+        </p:nvSpPr>
+        <p:spPr>
+          <a:xfrm>
+            <a:off x="4579655" y="3701142"/>
+            <a:ext cx="1670269" cy="300082"/>
+          </a:xfrm>
+          <a:prstGeom prst="rect">
+            <a:avLst/>
+          </a:prstGeom>
+          <a:noFill/>
+          <a:ln w="12700">
+            <a:solidFill>
+              <a:schemeClr val="accent1">
+                <a:shade val="50000"/>
+              </a:schemeClr>
+            </a:solidFill>
+          </a:ln>
+        </p:spPr>
+        <p:txBody>
+          <a:bodyPr wrap="square" rtlCol="0">
+            <a:spAutoFit/>
+          </a:bodyPr>
+          <a:lstStyle/>
+          <a:p>
+            <a:pPr algn="ctr"/>
+            <a:r>
+              <a:rPr lang="ko-KR" altLang="en-US" sz="1350" dirty="0" err="1"/>
+              <a:t>최애</a:t>
+            </a:r>
+            <a:r>
+              <a:rPr lang="ko-KR" altLang="en-US" sz="1350" dirty="0"/>
+              <a:t> 아이돌</a:t>
+            </a:r>
+          </a:p>
+        </p:txBody>
+      </p:sp>
+      <p:pic>
+        <p:nvPicPr>
+          <p:cNvPr id="2050" name="Picture 2" descr="자유수다: 차쥐뿔 카리나편 안... | 강남언니 - 1등 성형수술&amp;피부시술 정보앱">
+            <a:extLst>
+              <a:ext uri="{FF2B5EF4-FFF2-40B4-BE49-F238E27FC236}">
+                <a16:creationId xmlns:a16="http://schemas.microsoft.com/office/drawing/2014/main" id="{25EDDFFE-21C9-4C88-B809-1708F95481E6}"/>
+              </a:ext>
+            </a:extLst>
+          </p:cNvPr>
+          <p:cNvPicPr>
+            <a:picLocks noChangeAspect="1" noChangeArrowheads="1"/>
+          </p:cNvPicPr>
+          <p:nvPr/>
+        </p:nvPicPr>
+        <p:blipFill>
+          <a:blip r:embed="rId3">
+            <a:extLst>
+              <a:ext uri="{28A0092B-C50C-407E-A947-70E740481C1C}">
+                <a14:useLocalDpi xmlns:a14="http://schemas.microsoft.com/office/drawing/2010/main" val="0"/>
+              </a:ext>
+            </a:extLst>
+          </a:blip>
+          <a:srcRect/>
+          <a:stretch>
+            <a:fillRect/>
+          </a:stretch>
+        </p:blipFill>
+        <p:spPr bwMode="auto">
+          <a:xfrm>
+            <a:off x="3787912" y="4332770"/>
+            <a:ext cx="2462012" cy="2459732"/>
+          </a:xfrm>
+          <a:prstGeom prst="rect">
+            <a:avLst/>
+          </a:prstGeom>
+          <a:noFill/>
+          <a:extLst>
+            <a:ext uri="{909E8E84-426E-40DD-AFC4-6F175D3DCCD1}">
+              <a14:hiddenFill xmlns:a14="http://schemas.microsoft.com/office/drawing/2010/main">
+                <a:solidFill>
+                  <a:srgbClr val="FFFFFF"/>
+                </a:solidFill>
+              </a14:hiddenFill>
+            </a:ext>
+          </a:extLst>
+        </p:spPr>
+      </p:pic>
+      <p:sp>
+        <p:nvSpPr>
+          <p:cNvPr id="11" name="TextBox 10">
+            <a:extLst>
+              <a:ext uri="{FF2B5EF4-FFF2-40B4-BE49-F238E27FC236}">
+                <a16:creationId xmlns:a16="http://schemas.microsoft.com/office/drawing/2014/main" id="{95F839F1-A316-400B-A56C-A43957BCBDAE}"/>
+              </a:ext>
+            </a:extLst>
+          </p:cNvPr>
+          <p:cNvSpPr txBox="1"/>
+          <p:nvPr/>
+        </p:nvSpPr>
+        <p:spPr>
+          <a:xfrm>
+            <a:off x="1042416" y="4332770"/>
+            <a:ext cx="1991702" cy="2362442"/>
+          </a:xfrm>
+          <a:prstGeom prst="rect">
+            <a:avLst/>
+          </a:prstGeom>
+          <a:noFill/>
+        </p:spPr>
+        <p:txBody>
+          <a:bodyPr wrap="square" rtlCol="0">
+            <a:spAutoFit/>
+          </a:bodyPr>
+          <a:lstStyle/>
+          <a:p>
+            <a:pPr algn="r">
+              <a:lnSpc>
+                <a:spcPct val="150000"/>
+              </a:lnSpc>
+            </a:pPr>
+            <a:r>
+              <a:rPr lang="en-US" altLang="ko-KR" sz="1200" b="1" i="1" dirty="0" err="1"/>
+              <a:t>aespa</a:t>
+            </a:r>
+            <a:r>
+              <a:rPr lang="ko-KR" altLang="en-US" sz="1200" dirty="0"/>
+              <a:t> </a:t>
+            </a:r>
+            <a:r>
+              <a:rPr lang="ko-KR" altLang="en-US" sz="1200" dirty="0" err="1"/>
+              <a:t>카리나</a:t>
+            </a:r>
+            <a:endParaRPr lang="en-US" altLang="ko-KR" sz="1200" dirty="0"/>
+          </a:p>
+          <a:p>
+            <a:pPr>
+              <a:lnSpc>
+                <a:spcPct val="150000"/>
+              </a:lnSpc>
+            </a:pPr>
+            <a:endParaRPr lang="en-US" altLang="ko-KR" sz="1200" dirty="0"/>
+          </a:p>
+          <a:p>
+            <a:pPr algn="r">
+              <a:lnSpc>
+                <a:spcPct val="150000"/>
+              </a:lnSpc>
+            </a:pPr>
+            <a:r>
+              <a:rPr lang="en-US" altLang="ko-KR" sz="1200" dirty="0"/>
+              <a:t>2000</a:t>
+            </a:r>
+            <a:r>
+              <a:rPr lang="ko-KR" altLang="en-US" sz="1200" dirty="0"/>
+              <a:t>년 </a:t>
+            </a:r>
+            <a:r>
+              <a:rPr lang="en-US" altLang="ko-KR" sz="1200" dirty="0"/>
+              <a:t>4</a:t>
+            </a:r>
+            <a:r>
+              <a:rPr lang="ko-KR" altLang="en-US" sz="1200" dirty="0"/>
+              <a:t>월 </a:t>
+            </a:r>
+            <a:r>
+              <a:rPr lang="en-US" altLang="ko-KR" sz="1200" dirty="0"/>
+              <a:t>11</a:t>
+            </a:r>
+            <a:r>
+              <a:rPr lang="ko-KR" altLang="en-US" sz="1200" dirty="0"/>
+              <a:t>일</a:t>
+            </a:r>
+            <a:endParaRPr lang="en-US" altLang="ko-KR" sz="1200" dirty="0"/>
+          </a:p>
+          <a:p>
+            <a:pPr algn="r">
+              <a:lnSpc>
+                <a:spcPct val="150000"/>
+              </a:lnSpc>
+            </a:pPr>
+            <a:r>
+              <a:rPr lang="en-US" altLang="ko-KR" sz="1200" dirty="0"/>
+              <a:t>168cm B</a:t>
+            </a:r>
+            <a:r>
+              <a:rPr lang="ko-KR" altLang="en-US" sz="1200" dirty="0"/>
+              <a:t>형</a:t>
+            </a:r>
+            <a:endParaRPr lang="en-US" altLang="ko-KR" sz="1200" dirty="0"/>
+          </a:p>
+          <a:p>
+            <a:pPr algn="r">
+              <a:lnSpc>
+                <a:spcPct val="150000"/>
+              </a:lnSpc>
+            </a:pPr>
+            <a:r>
+              <a:rPr lang="en-US" altLang="ko-KR" sz="1200" dirty="0"/>
+              <a:t>SM</a:t>
+            </a:r>
+            <a:r>
+              <a:rPr lang="ko-KR" altLang="en-US" sz="1200" dirty="0"/>
+              <a:t>엔터테인먼트</a:t>
+            </a:r>
+            <a:endParaRPr lang="en-US" altLang="ko-KR" sz="1200" dirty="0"/>
+          </a:p>
+          <a:p>
+            <a:pPr algn="r">
+              <a:lnSpc>
+                <a:spcPct val="150000"/>
+              </a:lnSpc>
+            </a:pPr>
+            <a:r>
+              <a:rPr lang="en-US" altLang="ko-KR" sz="1200" dirty="0"/>
+              <a:t>ENFP</a:t>
+            </a:r>
+          </a:p>
+          <a:p>
+            <a:pPr algn="r">
+              <a:lnSpc>
+                <a:spcPct val="150000"/>
+              </a:lnSpc>
+            </a:pPr>
+            <a:r>
+              <a:rPr lang="en-US" altLang="ko-KR" sz="1200" dirty="0"/>
+              <a:t>2020</a:t>
+            </a:r>
+            <a:r>
+              <a:rPr lang="ko-KR" altLang="en-US" sz="1200" dirty="0"/>
+              <a:t>년 데뷔</a:t>
+            </a:r>
+            <a:endParaRPr lang="en-US" altLang="ko-KR" sz="1200" dirty="0"/>
+          </a:p>
+          <a:p>
+            <a:pPr algn="r">
+              <a:lnSpc>
+                <a:spcPct val="150000"/>
+              </a:lnSpc>
+            </a:pPr>
+            <a:r>
+              <a:rPr lang="en-US" altLang="ko-KR" sz="1600" i="1" dirty="0">
+                <a:solidFill>
+                  <a:schemeClr val="accent2">
+                    <a:lumMod val="60000"/>
+                    <a:lumOff val="40000"/>
+                  </a:schemeClr>
+                </a:solidFill>
+              </a:rPr>
+              <a:t>Next Level</a:t>
+            </a:r>
+            <a:endParaRPr lang="en-US" altLang="ko-KR" sz="1200" i="1" dirty="0">
+              <a:solidFill>
+                <a:schemeClr val="accent2">
+                  <a:lumMod val="60000"/>
+                  <a:lumOff val="40000"/>
+                </a:schemeClr>
+              </a:solidFill>
+            </a:endParaRPr>
+          </a:p>
+        </p:txBody>
+      </p:sp>
+      <p:cxnSp>
+        <p:nvCxnSpPr>
+          <p:cNvPr id="12" name="직선 연결선 11">
+            <a:extLst>
+              <a:ext uri="{FF2B5EF4-FFF2-40B4-BE49-F238E27FC236}">
+                <a16:creationId xmlns:a16="http://schemas.microsoft.com/office/drawing/2014/main" id="{FE7C546F-8C86-47D2-9002-267663BE49D5}"/>
+              </a:ext>
+            </a:extLst>
+          </p:cNvPr>
+          <p:cNvCxnSpPr>
+            <a:cxnSpLocks/>
+          </p:cNvCxnSpPr>
+          <p:nvPr/>
+        </p:nvCxnSpPr>
+        <p:spPr>
+          <a:xfrm>
+            <a:off x="495754" y="7082065"/>
+            <a:ext cx="5824728" cy="0"/>
+          </a:xfrm>
+          <a:prstGeom prst="line">
+            <a:avLst/>
+          </a:prstGeom>
+        </p:spPr>
+        <p:style>
+          <a:lnRef idx="1">
+            <a:schemeClr val="accent1"/>
+          </a:lnRef>
+          <a:fillRef idx="0">
+            <a:schemeClr val="accent1"/>
+          </a:fillRef>
+          <a:effectRef idx="0">
+            <a:schemeClr val="accent1"/>
+          </a:effectRef>
+          <a:fontRef idx="minor">
+            <a:schemeClr val="tx1"/>
+          </a:fontRef>
+        </p:style>
+      </p:cxnSp>
+      <p:sp>
+        <p:nvSpPr>
+          <p:cNvPr id="13" name="TextBox 12">
+            <a:extLst>
+              <a:ext uri="{FF2B5EF4-FFF2-40B4-BE49-F238E27FC236}">
+                <a16:creationId xmlns:a16="http://schemas.microsoft.com/office/drawing/2014/main" id="{939F8D4A-D033-43DF-8A0B-9D76028E7DE3}"/>
+              </a:ext>
+            </a:extLst>
+          </p:cNvPr>
+          <p:cNvSpPr txBox="1"/>
+          <p:nvPr/>
+        </p:nvSpPr>
+        <p:spPr>
+          <a:xfrm>
+            <a:off x="495754" y="7335399"/>
+            <a:ext cx="1670269" cy="300082"/>
+          </a:xfrm>
+          <a:prstGeom prst="rect">
+            <a:avLst/>
+          </a:prstGeom>
+          <a:noFill/>
+          <a:ln w="12700">
+            <a:solidFill>
+              <a:schemeClr val="accent1">
+                <a:shade val="50000"/>
+              </a:schemeClr>
+            </a:solidFill>
+          </a:ln>
+        </p:spPr>
+        <p:txBody>
+          <a:bodyPr wrap="square" rtlCol="0">
+            <a:spAutoFit/>
+          </a:bodyPr>
+          <a:lstStyle/>
+          <a:p>
+            <a:pPr algn="ctr"/>
+            <a:r>
+              <a:rPr lang="ko-KR" altLang="en-US" sz="1350" dirty="0"/>
+              <a:t>나의 취미</a:t>
+            </a:r>
+            <a:endParaRPr lang="en-US" altLang="ko-KR" sz="1350" dirty="0"/>
+          </a:p>
+        </p:txBody>
+      </p:sp>
+      <p:pic>
+        <p:nvPicPr>
+          <p:cNvPr id="14" name="Picture 2" descr="Z세대 핫플레이스, 메타버스를 알아봅시다! ③ 로블록스">
+            <a:extLst>
+              <a:ext uri="{FF2B5EF4-FFF2-40B4-BE49-F238E27FC236}">
+                <a16:creationId xmlns:a16="http://schemas.microsoft.com/office/drawing/2014/main" id="{27FE0B8F-B9A1-4A3C-9E50-A881A77ECF9B}"/>
+              </a:ext>
+            </a:extLst>
+          </p:cNvPr>
+          <p:cNvPicPr>
+            <a:picLocks noChangeAspect="1" noChangeArrowheads="1"/>
+          </p:cNvPicPr>
+          <p:nvPr/>
+        </p:nvPicPr>
+        <p:blipFill>
+          <a:blip r:embed="rId4">
+            <a:extLst>
+              <a:ext uri="{28A0092B-C50C-407E-A947-70E740481C1C}">
+                <a14:useLocalDpi xmlns:a14="http://schemas.microsoft.com/office/drawing/2010/main" val="0"/>
+              </a:ext>
+            </a:extLst>
+          </a:blip>
+          <a:srcRect/>
+          <a:stretch>
+            <a:fillRect/>
+          </a:stretch>
+        </p:blipFill>
+        <p:spPr bwMode="auto">
+          <a:xfrm>
+            <a:off x="495754" y="7888814"/>
+            <a:ext cx="3022092" cy="1811156"/>
+          </a:xfrm>
+          <a:prstGeom prst="rect">
+            <a:avLst/>
+          </a:prstGeom>
+          <a:noFill/>
+          <a:extLst>
+            <a:ext uri="{909E8E84-426E-40DD-AFC4-6F175D3DCCD1}">
+              <a14:hiddenFill xmlns:a14="http://schemas.microsoft.com/office/drawing/2010/main">
+                <a:solidFill>
+                  <a:srgbClr val="FFFFFF"/>
+                </a:solidFill>
+              </a14:hiddenFill>
+            </a:ext>
+          </a:extLst>
+        </p:spPr>
+      </p:pic>
+      <p:sp>
+        <p:nvSpPr>
+          <p:cNvPr id="15" name="TextBox 14">
+            <a:extLst>
+              <a:ext uri="{FF2B5EF4-FFF2-40B4-BE49-F238E27FC236}">
+                <a16:creationId xmlns:a16="http://schemas.microsoft.com/office/drawing/2014/main" id="{2124230F-7B38-42BA-BC37-5B602541213E}"/>
+              </a:ext>
+            </a:extLst>
+          </p:cNvPr>
+          <p:cNvSpPr txBox="1"/>
+          <p:nvPr/>
+        </p:nvSpPr>
+        <p:spPr>
+          <a:xfrm>
+            <a:off x="3751184" y="7854964"/>
+            <a:ext cx="2535467" cy="503792"/>
+          </a:xfrm>
+          <a:prstGeom prst="rect">
+            <a:avLst/>
+          </a:prstGeom>
+          <a:noFill/>
+        </p:spPr>
+        <p:txBody>
+          <a:bodyPr wrap="square" rtlCol="0">
+            <a:spAutoFit/>
+          </a:bodyPr>
+          <a:lstStyle/>
+          <a:p>
+            <a:pPr>
+              <a:lnSpc>
+                <a:spcPct val="150000"/>
+              </a:lnSpc>
+            </a:pPr>
+            <a:r>
+              <a:rPr lang="ko-KR" altLang="en-US" sz="2000" b="1" i="1" dirty="0" err="1">
+                <a:solidFill>
+                  <a:srgbClr val="FF0000"/>
+                </a:solidFill>
+              </a:rPr>
+              <a:t>로블록스</a:t>
+            </a:r>
+            <a:endParaRPr lang="en-US" altLang="ko-KR" sz="2000" b="1" i="1" dirty="0">
+              <a:solidFill>
+                <a:srgbClr val="FF0000"/>
+              </a:solidFill>
+            </a:endParaRPr>
+          </a:p>
+        </p:txBody>
+      </p:sp>
+    </p:spTree>
+    <p:extLst>
+      <p:ext uri="{BB962C8B-B14F-4D97-AF65-F5344CB8AC3E}">
+        <p14:creationId xmlns:p14="http://schemas.microsoft.com/office/powerpoint/2010/main" val="1242192883"/>
+      </p:ext>
+    </p:extLst>
+  </p:cSld>
+  <p:clrMapOvr>
+    <a:masterClrMapping/>
+  </p:clrMapOvr>
+</p:sld>
+</file>
+
+<file path=ppt/slides/slide3.xml><?xml version="1.0" encoding="utf-8"?>
+<p:sld xmlns:a="http://schemas.openxmlformats.org/drawingml/2006/main" xmlns:r="http://schemas.openxmlformats.org/officeDocument/2006/relationships" xmlns:p="http://schemas.openxmlformats.org/presentationml/2006/main">
+  <p:cSld>
+    <p:spTree>
+      <p:nvGrpSpPr>
+        <p:cNvPr id="1" name=""/>
+        <p:cNvGrpSpPr/>
+        <p:nvPr/>
+      </p:nvGrpSpPr>
+      <p:grpSpPr>
+        <a:xfrm>
+          <a:off x="0" y="0"/>
+          <a:ext cx="0" cy="0"/>
+          <a:chOff x="0" y="0"/>
+          <a:chExt cx="0" cy="0"/>
+        </a:xfrm>
+      </p:grpSpPr>
+      <p:cxnSp>
+        <p:nvCxnSpPr>
+          <p:cNvPr id="4" name="직선 연결선 3">
+            <a:extLst>
+              <a:ext uri="{FF2B5EF4-FFF2-40B4-BE49-F238E27FC236}">
+                <a16:creationId xmlns:a16="http://schemas.microsoft.com/office/drawing/2014/main" id="{D885879E-B6A6-47C4-B03B-6DB54CFD6805}"/>
+              </a:ext>
+            </a:extLst>
+          </p:cNvPr>
+          <p:cNvCxnSpPr>
+            <a:cxnSpLocks/>
+          </p:cNvCxnSpPr>
+          <p:nvPr/>
+        </p:nvCxnSpPr>
+        <p:spPr>
+          <a:xfrm>
+            <a:off x="431292" y="569976"/>
+            <a:ext cx="5824728" cy="0"/>
+          </a:xfrm>
+          <a:prstGeom prst="line">
+            <a:avLst/>
+          </a:prstGeom>
+        </p:spPr>
+        <p:style>
+          <a:lnRef idx="1">
+            <a:schemeClr val="accent1"/>
+          </a:lnRef>
+          <a:fillRef idx="0">
+            <a:schemeClr val="accent1"/>
+          </a:fillRef>
+          <a:effectRef idx="0">
+            <a:schemeClr val="accent1"/>
+          </a:effectRef>
+          <a:fontRef idx="minor">
+            <a:schemeClr val="tx1"/>
+          </a:fontRef>
+        </p:style>
+      </p:cxnSp>
+      <p:sp>
+        <p:nvSpPr>
+          <p:cNvPr id="5" name="TextBox 4">
+            <a:extLst>
+              <a:ext uri="{FF2B5EF4-FFF2-40B4-BE49-F238E27FC236}">
+                <a16:creationId xmlns:a16="http://schemas.microsoft.com/office/drawing/2014/main" id="{A9013945-E0E1-4783-99CA-A604206C30F6}"/>
+              </a:ext>
+            </a:extLst>
+          </p:cNvPr>
+          <p:cNvSpPr txBox="1"/>
+          <p:nvPr/>
+        </p:nvSpPr>
+        <p:spPr>
+          <a:xfrm>
+            <a:off x="4585751" y="761309"/>
+            <a:ext cx="1670269" cy="300082"/>
+          </a:xfrm>
+          <a:prstGeom prst="rect">
+            <a:avLst/>
+          </a:prstGeom>
+          <a:noFill/>
+          <a:ln w="12700">
+            <a:solidFill>
+              <a:schemeClr val="accent1">
+                <a:shade val="50000"/>
+              </a:schemeClr>
+            </a:solidFill>
+          </a:ln>
+        </p:spPr>
+        <p:txBody>
+          <a:bodyPr wrap="square" rtlCol="0">
+            <a:spAutoFit/>
+          </a:bodyPr>
+          <a:lstStyle/>
+          <a:p>
+            <a:pPr algn="ctr"/>
+            <a:r>
+              <a:rPr lang="ko-KR" altLang="en-US" sz="1350" dirty="0"/>
+              <a:t>인생 영화</a:t>
+            </a:r>
+          </a:p>
+        </p:txBody>
+      </p:sp>
+      <p:cxnSp>
+        <p:nvCxnSpPr>
+          <p:cNvPr id="6" name="직선 연결선 5">
+            <a:extLst>
+              <a:ext uri="{FF2B5EF4-FFF2-40B4-BE49-F238E27FC236}">
+                <a16:creationId xmlns:a16="http://schemas.microsoft.com/office/drawing/2014/main" id="{A00CC48E-E7CA-4535-AE86-3CD1654E2A05}"/>
+              </a:ext>
+            </a:extLst>
+          </p:cNvPr>
+          <p:cNvCxnSpPr>
+            <a:cxnSpLocks/>
+          </p:cNvCxnSpPr>
+          <p:nvPr/>
+        </p:nvCxnSpPr>
+        <p:spPr>
+          <a:xfrm>
+            <a:off x="516636" y="5406891"/>
+            <a:ext cx="5824728" cy="0"/>
+          </a:xfrm>
+          <a:prstGeom prst="line">
+            <a:avLst/>
+          </a:prstGeom>
+        </p:spPr>
+        <p:style>
+          <a:lnRef idx="1">
+            <a:schemeClr val="accent1"/>
+          </a:lnRef>
+          <a:fillRef idx="0">
+            <a:schemeClr val="accent1"/>
+          </a:fillRef>
+          <a:effectRef idx="0">
+            <a:schemeClr val="accent1"/>
+          </a:effectRef>
+          <a:fontRef idx="minor">
+            <a:schemeClr val="tx1"/>
+          </a:fontRef>
+        </p:style>
+      </p:cxnSp>
+      <p:sp>
+        <p:nvSpPr>
+          <p:cNvPr id="7" name="TextBox 6">
+            <a:extLst>
+              <a:ext uri="{FF2B5EF4-FFF2-40B4-BE49-F238E27FC236}">
+                <a16:creationId xmlns:a16="http://schemas.microsoft.com/office/drawing/2014/main" id="{F8B73884-978B-4F5E-AD52-21F2F24FC1D3}"/>
+              </a:ext>
+            </a:extLst>
+          </p:cNvPr>
+          <p:cNvSpPr txBox="1"/>
+          <p:nvPr/>
+        </p:nvSpPr>
+        <p:spPr>
+          <a:xfrm>
+            <a:off x="516636" y="5625656"/>
+            <a:ext cx="1670269" cy="300082"/>
+          </a:xfrm>
+          <a:prstGeom prst="rect">
+            <a:avLst/>
+          </a:prstGeom>
+          <a:noFill/>
+          <a:ln w="12700">
+            <a:solidFill>
+              <a:schemeClr val="accent1">
+                <a:shade val="50000"/>
+              </a:schemeClr>
+            </a:solidFill>
+          </a:ln>
+        </p:spPr>
+        <p:txBody>
+          <a:bodyPr wrap="square" rtlCol="0">
+            <a:spAutoFit/>
+          </a:bodyPr>
+          <a:lstStyle/>
+          <a:p>
+            <a:pPr algn="ctr"/>
+            <a:r>
+              <a:rPr lang="ko-KR" altLang="en-US" sz="1350" dirty="0"/>
+              <a:t>버킷 리스트</a:t>
+            </a:r>
+          </a:p>
+        </p:txBody>
+      </p:sp>
+      <p:pic>
+        <p:nvPicPr>
+          <p:cNvPr id="3086" name="Picture 14" descr="당신의 인생을 바꿀 영화 〈22〉 〈뷰티풀 마인드〉 &lt; 문화 &lt; 매거진 &lt; 기사본문 - 톱클래스">
+            <a:extLst>
+              <a:ext uri="{FF2B5EF4-FFF2-40B4-BE49-F238E27FC236}">
+                <a16:creationId xmlns:a16="http://schemas.microsoft.com/office/drawing/2014/main" id="{980C9FCD-1908-4D27-A851-89593FC87606}"/>
+              </a:ext>
+            </a:extLst>
+          </p:cNvPr>
+          <p:cNvPicPr>
+            <a:picLocks noChangeAspect="1" noChangeArrowheads="1"/>
+          </p:cNvPicPr>
+          <p:nvPr/>
+        </p:nvPicPr>
+        <p:blipFill>
+          <a:blip r:embed="rId2">
+            <a:extLst>
+              <a:ext uri="{28A0092B-C50C-407E-A947-70E740481C1C}">
+                <a14:useLocalDpi xmlns:a14="http://schemas.microsoft.com/office/drawing/2010/main" val="0"/>
+              </a:ext>
+            </a:extLst>
+          </a:blip>
+          <a:srcRect/>
+          <a:stretch>
+            <a:fillRect/>
+          </a:stretch>
+        </p:blipFill>
+        <p:spPr bwMode="auto">
+          <a:xfrm>
+            <a:off x="447421" y="1226972"/>
+            <a:ext cx="2835275" cy="3053373"/>
+          </a:xfrm>
+          <a:prstGeom prst="rect">
+            <a:avLst/>
+          </a:prstGeom>
+          <a:noFill/>
+          <a:extLst>
+            <a:ext uri="{909E8E84-426E-40DD-AFC4-6F175D3DCCD1}">
+              <a14:hiddenFill xmlns:a14="http://schemas.microsoft.com/office/drawing/2010/main">
+                <a:solidFill>
+                  <a:srgbClr val="FFFFFF"/>
+                </a:solidFill>
+              </a14:hiddenFill>
+            </a:ext>
+          </a:extLst>
+        </p:spPr>
+      </p:pic>
+      <p:pic>
+        <p:nvPicPr>
+          <p:cNvPr id="3088" name="Picture 16" descr="오코노미] 영화 '뷰티풀 마인드', 조현병 딛고 노벨 경제학상 받은 천재 수학자 이야기 - 이투데이">
+            <a:extLst>
+              <a:ext uri="{FF2B5EF4-FFF2-40B4-BE49-F238E27FC236}">
+                <a16:creationId xmlns:a16="http://schemas.microsoft.com/office/drawing/2014/main" id="{E83D0027-6528-4494-9554-618D480687E0}"/>
+              </a:ext>
+            </a:extLst>
+          </p:cNvPr>
+          <p:cNvPicPr>
+            <a:picLocks noChangeAspect="1" noChangeArrowheads="1"/>
+          </p:cNvPicPr>
+          <p:nvPr/>
+        </p:nvPicPr>
+        <p:blipFill>
+          <a:blip r:embed="rId3">
+            <a:extLst>
+              <a:ext uri="{28A0092B-C50C-407E-A947-70E740481C1C}">
+                <a14:useLocalDpi xmlns:a14="http://schemas.microsoft.com/office/drawing/2010/main" val="0"/>
+              </a:ext>
+            </a:extLst>
+          </a:blip>
+          <a:srcRect/>
+          <a:stretch>
+            <a:fillRect/>
+          </a:stretch>
+        </p:blipFill>
+        <p:spPr bwMode="auto">
+          <a:xfrm>
+            <a:off x="3775657" y="1226972"/>
+            <a:ext cx="2480363" cy="3209241"/>
+          </a:xfrm>
+          <a:prstGeom prst="rect">
+            <a:avLst/>
+          </a:prstGeom>
+          <a:noFill/>
+          <a:extLst>
+            <a:ext uri="{909E8E84-426E-40DD-AFC4-6F175D3DCCD1}">
+              <a14:hiddenFill xmlns:a14="http://schemas.microsoft.com/office/drawing/2010/main">
+                <a:solidFill>
+                  <a:srgbClr val="FFFFFF"/>
+                </a:solidFill>
+              </a14:hiddenFill>
+            </a:ext>
+          </a:extLst>
+        </p:spPr>
+      </p:pic>
+      <p:sp>
+        <p:nvSpPr>
+          <p:cNvPr id="16" name="TextBox 15">
+            <a:extLst>
+              <a:ext uri="{FF2B5EF4-FFF2-40B4-BE49-F238E27FC236}">
+                <a16:creationId xmlns:a16="http://schemas.microsoft.com/office/drawing/2014/main" id="{93DD5040-B1A3-4C0D-A47A-37AD32E46945}"/>
+              </a:ext>
+            </a:extLst>
+          </p:cNvPr>
+          <p:cNvSpPr txBox="1"/>
+          <p:nvPr/>
+        </p:nvSpPr>
+        <p:spPr>
+          <a:xfrm>
+            <a:off x="516636" y="6222007"/>
+            <a:ext cx="2766060" cy="2324354"/>
+          </a:xfrm>
+          <a:prstGeom prst="rect">
+            <a:avLst/>
+          </a:prstGeom>
+          <a:noFill/>
+          <a:ln>
+            <a:solidFill>
+              <a:schemeClr val="accent1">
+                <a:shade val="50000"/>
+              </a:schemeClr>
+            </a:solidFill>
+          </a:ln>
+        </p:spPr>
+        <p:txBody>
+          <a:bodyPr wrap="square" rtlCol="0">
+            <a:spAutoFit/>
+          </a:bodyPr>
+          <a:lstStyle/>
+          <a:p>
+            <a:pPr marL="171450" indent="-171450">
+              <a:lnSpc>
+                <a:spcPct val="250000"/>
+              </a:lnSpc>
+              <a:buFont typeface="Arial" panose="020B0604020202020204" pitchFamily="34" charset="0"/>
+              <a:buChar char="•"/>
+            </a:pPr>
+            <a:r>
+              <a:rPr lang="ko-KR" altLang="en-US" sz="1200" dirty="0" err="1"/>
+              <a:t>에펠탑</a:t>
+            </a:r>
+            <a:r>
+              <a:rPr lang="ko-KR" altLang="en-US" sz="1200" dirty="0"/>
+              <a:t> 배경으로 스냅사진 촬영</a:t>
+            </a:r>
+            <a:endParaRPr lang="en-US" altLang="ko-KR" sz="1200" dirty="0"/>
+          </a:p>
+          <a:p>
+            <a:pPr marL="171450" indent="-171450">
+              <a:lnSpc>
+                <a:spcPct val="250000"/>
+              </a:lnSpc>
+              <a:buFont typeface="Arial" panose="020B0604020202020204" pitchFamily="34" charset="0"/>
+              <a:buChar char="•"/>
+            </a:pPr>
+            <a:r>
+              <a:rPr lang="ko-KR" altLang="en-US" sz="1200" dirty="0"/>
+              <a:t>수능 수학 </a:t>
+            </a:r>
+            <a:r>
+              <a:rPr lang="en-US" altLang="ko-KR" sz="1200" dirty="0"/>
+              <a:t>1</a:t>
+            </a:r>
+            <a:r>
+              <a:rPr lang="ko-KR" altLang="en-US" sz="1200" dirty="0"/>
+              <a:t>등급 </a:t>
+            </a:r>
+            <a:r>
+              <a:rPr lang="ko-KR" altLang="en-US" sz="1200" dirty="0" err="1"/>
+              <a:t>맞아보기</a:t>
+            </a:r>
+            <a:endParaRPr lang="en-US" altLang="ko-KR" sz="1200" dirty="0"/>
+          </a:p>
+          <a:p>
+            <a:pPr marL="171450" indent="-171450">
+              <a:lnSpc>
+                <a:spcPct val="250000"/>
+              </a:lnSpc>
+              <a:buFont typeface="Arial" panose="020B0604020202020204" pitchFamily="34" charset="0"/>
+              <a:buChar char="•"/>
+            </a:pPr>
+            <a:r>
+              <a:rPr lang="ko-KR" altLang="en-US" sz="1200" dirty="0"/>
+              <a:t>남극에서 펭귄보기</a:t>
+            </a:r>
+            <a:endParaRPr lang="en-US" altLang="ko-KR" sz="1200" dirty="0"/>
+          </a:p>
+          <a:p>
+            <a:pPr marL="171450" indent="-171450">
+              <a:lnSpc>
+                <a:spcPct val="250000"/>
+              </a:lnSpc>
+              <a:buFont typeface="Arial" panose="020B0604020202020204" pitchFamily="34" charset="0"/>
+              <a:buChar char="•"/>
+            </a:pPr>
+            <a:r>
+              <a:rPr lang="ko-KR" altLang="en-US" sz="1200" dirty="0"/>
+              <a:t>기타 배우기</a:t>
+            </a:r>
+            <a:endParaRPr lang="en-US" altLang="ko-KR" sz="1200" dirty="0"/>
+          </a:p>
+          <a:p>
+            <a:pPr marL="171450" indent="-171450">
+              <a:lnSpc>
+                <a:spcPct val="250000"/>
+              </a:lnSpc>
+              <a:buFont typeface="Arial" panose="020B0604020202020204" pitchFamily="34" charset="0"/>
+              <a:buChar char="•"/>
+            </a:pPr>
+            <a:r>
+              <a:rPr lang="ko-KR" altLang="en-US" sz="1200" dirty="0"/>
+              <a:t>자전거 국토대장정</a:t>
+            </a:r>
+            <a:endParaRPr lang="en-US" altLang="ko-KR" sz="1200" dirty="0"/>
+          </a:p>
+        </p:txBody>
+      </p:sp>
+      <p:sp>
+        <p:nvSpPr>
+          <p:cNvPr id="17" name="TextBox 16">
+            <a:extLst>
+              <a:ext uri="{FF2B5EF4-FFF2-40B4-BE49-F238E27FC236}">
+                <a16:creationId xmlns:a16="http://schemas.microsoft.com/office/drawing/2014/main" id="{600245BD-36CC-4C0B-890C-DDAC1A5FF12B}"/>
+              </a:ext>
+            </a:extLst>
+          </p:cNvPr>
+          <p:cNvSpPr txBox="1"/>
+          <p:nvPr/>
+        </p:nvSpPr>
+        <p:spPr>
+          <a:xfrm>
+            <a:off x="3489960" y="6222007"/>
+            <a:ext cx="2766060" cy="2325893"/>
+          </a:xfrm>
+          <a:prstGeom prst="rect">
+            <a:avLst/>
+          </a:prstGeom>
+          <a:noFill/>
+          <a:ln>
+            <a:solidFill>
+              <a:schemeClr val="accent1">
+                <a:shade val="50000"/>
+              </a:schemeClr>
+            </a:solidFill>
+          </a:ln>
+        </p:spPr>
+        <p:txBody>
+          <a:bodyPr wrap="square" rtlCol="0">
+            <a:spAutoFit/>
+          </a:bodyPr>
+          <a:lstStyle/>
+          <a:p>
+            <a:pPr marL="171450" indent="-171450">
+              <a:lnSpc>
+                <a:spcPct val="250000"/>
+              </a:lnSpc>
+              <a:buFont typeface="Arial" panose="020B0604020202020204" pitchFamily="34" charset="0"/>
+              <a:buChar char="•"/>
+            </a:pPr>
+            <a:r>
+              <a:rPr lang="ko-KR" altLang="en-US" sz="1200" dirty="0"/>
+              <a:t>미국으로 교환학생 가기</a:t>
+            </a:r>
+            <a:endParaRPr lang="en-US" altLang="ko-KR" sz="1200" dirty="0"/>
+          </a:p>
+          <a:p>
+            <a:pPr marL="171450" indent="-171450">
+              <a:lnSpc>
+                <a:spcPct val="250000"/>
+              </a:lnSpc>
+              <a:buFont typeface="Arial" panose="020B0604020202020204" pitchFamily="34" charset="0"/>
+              <a:buChar char="•"/>
+            </a:pPr>
+            <a:r>
+              <a:rPr lang="ko-KR" altLang="en-US" sz="1200" dirty="0"/>
+              <a:t>호주 워킹 홀리데이</a:t>
+            </a:r>
+            <a:endParaRPr lang="en-US" altLang="ko-KR" sz="1200" dirty="0"/>
+          </a:p>
+          <a:p>
+            <a:pPr marL="171450" indent="-171450">
+              <a:lnSpc>
+                <a:spcPct val="250000"/>
+              </a:lnSpc>
+              <a:buFont typeface="Arial" panose="020B0604020202020204" pitchFamily="34" charset="0"/>
+              <a:buChar char="•"/>
+            </a:pPr>
+            <a:r>
+              <a:rPr lang="ko-KR" altLang="en-US" sz="1200" dirty="0"/>
+              <a:t>나만의 노래 작곡 해보기</a:t>
+            </a:r>
+            <a:endParaRPr lang="en-US" altLang="ko-KR" sz="1200" dirty="0"/>
+          </a:p>
+          <a:p>
+            <a:pPr marL="171450" indent="-171450">
+              <a:lnSpc>
+                <a:spcPct val="250000"/>
+              </a:lnSpc>
+              <a:buFont typeface="Arial" panose="020B0604020202020204" pitchFamily="34" charset="0"/>
+              <a:buChar char="•"/>
+            </a:pPr>
+            <a:r>
+              <a:rPr lang="ko-KR" altLang="en-US" sz="1200" dirty="0"/>
+              <a:t>부모님과 유럽여행</a:t>
+            </a:r>
+            <a:endParaRPr lang="en-US" altLang="ko-KR" sz="1200" dirty="0"/>
+          </a:p>
+          <a:p>
+            <a:pPr marL="171450" indent="-171450">
+              <a:lnSpc>
+                <a:spcPct val="250000"/>
+              </a:lnSpc>
+              <a:buFont typeface="Arial" panose="020B0604020202020204" pitchFamily="34" charset="0"/>
+              <a:buChar char="•"/>
+            </a:pPr>
+            <a:r>
+              <a:rPr lang="ko-KR" altLang="en-US" sz="1200" dirty="0"/>
+              <a:t>유튜브 구독자 </a:t>
+            </a:r>
+            <a:r>
+              <a:rPr lang="en-US" altLang="ko-KR" sz="1200" dirty="0"/>
+              <a:t>1000</a:t>
+            </a:r>
+            <a:r>
+              <a:rPr lang="ko-KR" altLang="en-US" sz="1200" dirty="0"/>
+              <a:t>명 달성해보기</a:t>
+            </a:r>
+            <a:endParaRPr lang="en-US" altLang="ko-KR" sz="1200" dirty="0"/>
+          </a:p>
+        </p:txBody>
+      </p:sp>
+      <p:sp>
+        <p:nvSpPr>
+          <p:cNvPr id="18" name="TextBox 17">
+            <a:extLst>
+              <a:ext uri="{FF2B5EF4-FFF2-40B4-BE49-F238E27FC236}">
+                <a16:creationId xmlns:a16="http://schemas.microsoft.com/office/drawing/2014/main" id="{70ED3F6A-8300-4DA7-90EC-DD344886CD06}"/>
+              </a:ext>
+            </a:extLst>
+          </p:cNvPr>
+          <p:cNvSpPr txBox="1"/>
+          <p:nvPr/>
+        </p:nvSpPr>
+        <p:spPr>
+          <a:xfrm>
+            <a:off x="487644" y="4576614"/>
+            <a:ext cx="5611403" cy="662361"/>
+          </a:xfrm>
+          <a:prstGeom prst="rect">
+            <a:avLst/>
+          </a:prstGeom>
+          <a:noFill/>
+        </p:spPr>
+        <p:txBody>
+          <a:bodyPr wrap="square" rtlCol="0">
+            <a:spAutoFit/>
+          </a:bodyPr>
+          <a:lstStyle/>
+          <a:p>
+            <a:pPr>
+              <a:lnSpc>
+                <a:spcPct val="150000"/>
+              </a:lnSpc>
+            </a:pPr>
+            <a:r>
+              <a:rPr lang="en-US" altLang="ko-KR" sz="1400" b="1" u="sng" dirty="0">
+                <a:solidFill>
+                  <a:srgbClr val="0070C0"/>
+                </a:solidFill>
+              </a:rPr>
+              <a:t>“</a:t>
+            </a:r>
+            <a:r>
+              <a:rPr lang="ko-KR" altLang="en-US" sz="1400" b="1" u="sng" dirty="0" err="1">
+                <a:solidFill>
+                  <a:srgbClr val="0070C0"/>
+                </a:solidFill>
+              </a:rPr>
+              <a:t>뷰티풀</a:t>
+            </a:r>
+            <a:r>
+              <a:rPr lang="ko-KR" altLang="en-US" sz="1400" b="1" u="sng" dirty="0">
+                <a:solidFill>
+                  <a:srgbClr val="0070C0"/>
+                </a:solidFill>
+              </a:rPr>
+              <a:t> 마인드</a:t>
+            </a:r>
+            <a:r>
+              <a:rPr lang="en-US" altLang="ko-KR" sz="1400" b="1" u="sng" dirty="0">
+                <a:solidFill>
+                  <a:srgbClr val="0070C0"/>
+                </a:solidFill>
+              </a:rPr>
+              <a:t>“</a:t>
+            </a:r>
+            <a:endParaRPr lang="en-US" altLang="ko-KR" sz="1200" b="1" u="sng" dirty="0">
+              <a:solidFill>
+                <a:srgbClr val="0070C0"/>
+              </a:solidFill>
+            </a:endParaRPr>
+          </a:p>
+          <a:p>
+            <a:pPr>
+              <a:lnSpc>
+                <a:spcPct val="150000"/>
+              </a:lnSpc>
+            </a:pPr>
+            <a:r>
+              <a:rPr lang="ko-KR" altLang="en-US" sz="1200" dirty="0"/>
+              <a:t>명작 영화에 눈을 뜨게 해준 첫 영화이자</a:t>
+            </a:r>
+            <a:r>
+              <a:rPr lang="en-US" altLang="ko-KR" sz="1200" dirty="0"/>
+              <a:t>, </a:t>
+            </a:r>
+            <a:r>
+              <a:rPr lang="ko-KR" altLang="en-US" sz="1200" dirty="0"/>
+              <a:t>대단한 반전 영화</a:t>
+            </a:r>
+            <a:endParaRPr lang="en-US" altLang="ko-KR" sz="1200" dirty="0"/>
+          </a:p>
+        </p:txBody>
+      </p:sp>
+    </p:spTree>
+    <p:extLst>
+      <p:ext uri="{BB962C8B-B14F-4D97-AF65-F5344CB8AC3E}">
+        <p14:creationId xmlns:p14="http://schemas.microsoft.com/office/powerpoint/2010/main" val="3643165354"/>
+      </p:ext>
+    </p:extLst>
+  </p:cSld>
+  <p:clrMapOvr>
+    <a:masterClrMapping/>
+  </p:clrMapOvr>
+</p:sld>
+</file>
+
 <file path=ppt/theme/theme1.xml><?xml version="1.0" encoding="utf-8"?>
 <a:theme xmlns:a="http://schemas.openxmlformats.org/drawingml/2006/main" name="Office 테마">
   <a:themeElements>
-    <a:clrScheme name="Office">
+    <a:clrScheme name="Office 테마">
       <a:dk1>
         <a:sysClr val="windowText" lastClr="000000"/>
       </a:dk1>
@@ -3484,9 +5135,9 @@
         <a:srgbClr val="954F72"/>
       </a:folHlink>
     </a:clrScheme>
-    <a:fontScheme name="Office">
+    <a:fontScheme name="Office 테마">
       <a:majorFont>
-        <a:latin typeface="맑은 고딕" panose="020F0302020204030204"/>
+        <a:latin typeface="Calibri Light" panose="020F0302020204030204"/>
         <a:ea typeface=""/>
         <a:cs typeface=""/>
         <a:font script="Jpan" typeface="游ゴシック Light"/>
@@ -3519,26 +5170,9 @@
         <a:font script="Viet" typeface="Times New Roman"/>
         <a:font script="Uigh" typeface="Microsoft Uighur"/>
         <a:font script="Geor" typeface="Sylfaen"/>
-        <a:font script="Armn" typeface="Arial"/>
-        <a:font script="Bugi" typeface="Leelawadee UI"/>
-        <a:font script="Bopo" typeface="Microsoft JhengHei"/>
-        <a:font script="Java" typeface="Javanese Text"/>
-        <a:font script="Lisu" typeface="Segoe UI"/>
-        <a:font script="Mymr" typeface="Myanmar Text"/>
-        <a:font script="Nkoo" typeface="Ebrima"/>
-        <a:font script="Olck" typeface="Nirmala UI"/>
-        <a:font script="Osma" typeface="Ebrima"/>
-        <a:font script="Phag" typeface="Phagspa"/>
-        <a:font script="Syrn" typeface="Estrangelo Edessa"/>
-        <a:font script="Syrj" typeface="Estrangelo Edessa"/>
-        <a:font script="Syre" typeface="Estrangelo Edessa"/>
-        <a:font script="Sora" typeface="Nirmala UI"/>
-        <a:font script="Tale" typeface="Microsoft Tai Le"/>
-        <a:font script="Talu" typeface="Microsoft New Tai Lue"/>
-        <a:font script="Tfng" typeface="Ebrima"/>
       </a:majorFont>
       <a:minorFont>
-        <a:latin typeface="맑은 고딕" panose="020F0502020204030204"/>
+        <a:latin typeface="Calibri" panose="020F0502020204030204"/>
         <a:ea typeface=""/>
         <a:cs typeface=""/>
         <a:font script="Jpan" typeface="游ゴシック"/>
@@ -3571,26 +5205,9 @@
         <a:font script="Viet" typeface="Arial"/>
         <a:font script="Uigh" typeface="Microsoft Uighur"/>
         <a:font script="Geor" typeface="Sylfaen"/>
-        <a:font script="Armn" typeface="Arial"/>
-        <a:font script="Bugi" typeface="Leelawadee UI"/>
-        <a:font script="Bopo" typeface="Microsoft JhengHei"/>
-        <a:font script="Java" typeface="Javanese Text"/>
-        <a:font script="Lisu" typeface="Segoe UI"/>
-        <a:font script="Mymr" typeface="Myanmar Text"/>
-        <a:font script="Nkoo" typeface="Ebrima"/>
-        <a:font script="Olck" typeface="Nirmala UI"/>
-        <a:font script="Osma" typeface="Ebrima"/>
-        <a:font script="Phag" typeface="Phagspa"/>
-        <a:font script="Syrn" typeface="Estrangelo Edessa"/>
-        <a:font script="Syrj" typeface="Estrangelo Edessa"/>
-        <a:font script="Syre" typeface="Estrangelo Edessa"/>
-        <a:font script="Sora" typeface="Nirmala UI"/>
-        <a:font script="Tale" typeface="Microsoft Tai Le"/>
-        <a:font script="Talu" typeface="Microsoft New Tai Lue"/>
-        <a:font script="Tfng" typeface="Ebrima"/>
       </a:minorFont>
     </a:fontScheme>
-    <a:fmtScheme name="Office">
+    <a:fmtScheme name="Office 테마">
       <a:fillStyleLst>
         <a:solidFill>
           <a:schemeClr val="phClr"/>
